--- a/src/rpro_ppt4.pptx
+++ b/src/rpro_ppt4.pptx
@@ -3364,7 +3364,7 @@
             <a:fld id="{FDD434B5-3884-491B-9701-01188EF54E6D}" type="datetimeFigureOut">
               <a:rPr lang="he-IL" smtClean="0"/>
               <a:pPr/>
-              <a:t>ח'/תשרי/תשע"ח</a:t>
+              <a:t>י"ג/תשרי/תשע"ח</a:t>
             </a:fld>
             <a:endParaRPr lang="he-IL"/>
           </a:p>
@@ -5721,7 +5721,7 @@
             <a:fld id="{48A87A34-81AB-432B-8DAE-1953F412C126}" type="datetimeFigureOut">
               <a:rPr lang="en-US" smtClean="0"/>
               <a:pPr/>
-              <a:t>9/28/2017</a:t>
+              <a:t>10/3/2017</a:t>
             </a:fld>
             <a:endParaRPr lang="en-US" dirty="0"/>
           </a:p>
@@ -5773,7 +5773,7 @@
     </p:spTree>
     <p:extLst>
       <p:ext uri="{BB962C8B-B14F-4D97-AF65-F5344CB8AC3E}">
-        <p14:creationId xmlns:p14="http://schemas.microsoft.com/office/powerpoint/2010/main" xmlns="" val="2379700270"/>
+        <p14:creationId xmlns="" xmlns:p14="http://schemas.microsoft.com/office/powerpoint/2010/main" val="2379700270"/>
       </p:ext>
     </p:extLst>
   </p:cSld>
@@ -5974,7 +5974,7 @@
             <a:fld id="{48A87A34-81AB-432B-8DAE-1953F412C126}" type="datetimeFigureOut">
               <a:rPr lang="en-US" smtClean="0"/>
               <a:pPr/>
-              <a:t>9/28/2017</a:t>
+              <a:t>10/3/2017</a:t>
             </a:fld>
             <a:endParaRPr lang="en-US" dirty="0"/>
           </a:p>
@@ -6026,7 +6026,7 @@
     </p:spTree>
     <p:extLst>
       <p:ext uri="{BB962C8B-B14F-4D97-AF65-F5344CB8AC3E}">
-        <p14:creationId xmlns:p14="http://schemas.microsoft.com/office/powerpoint/2010/main" xmlns="" val="1804991245"/>
+        <p14:creationId xmlns="" xmlns:p14="http://schemas.microsoft.com/office/powerpoint/2010/main" val="1804991245"/>
       </p:ext>
     </p:extLst>
   </p:cSld>
@@ -6290,7 +6290,7 @@
             <a:fld id="{48A87A34-81AB-432B-8DAE-1953F412C126}" type="datetimeFigureOut">
               <a:rPr lang="en-US" smtClean="0"/>
               <a:pPr/>
-              <a:t>9/28/2017</a:t>
+              <a:t>10/3/2017</a:t>
             </a:fld>
             <a:endParaRPr lang="en-US" dirty="0"/>
           </a:p>
@@ -6432,7 +6432,7 @@
     </p:spTree>
     <p:extLst>
       <p:ext uri="{BB962C8B-B14F-4D97-AF65-F5344CB8AC3E}">
-        <p14:creationId xmlns:p14="http://schemas.microsoft.com/office/powerpoint/2010/main" xmlns="" val="1473712570"/>
+        <p14:creationId xmlns="" xmlns:p14="http://schemas.microsoft.com/office/powerpoint/2010/main" val="1473712570"/>
       </p:ext>
     </p:extLst>
   </p:cSld>
@@ -6633,7 +6633,7 @@
             <a:fld id="{48A87A34-81AB-432B-8DAE-1953F412C126}" type="datetimeFigureOut">
               <a:rPr lang="en-US" smtClean="0"/>
               <a:pPr/>
-              <a:t>9/28/2017</a:t>
+              <a:t>10/3/2017</a:t>
             </a:fld>
             <a:endParaRPr lang="en-US" dirty="0"/>
           </a:p>
@@ -6685,7 +6685,7 @@
     </p:spTree>
     <p:extLst>
       <p:ext uri="{BB962C8B-B14F-4D97-AF65-F5344CB8AC3E}">
-        <p14:creationId xmlns:p14="http://schemas.microsoft.com/office/powerpoint/2010/main" xmlns="" val="2530574234"/>
+        <p14:creationId xmlns="" xmlns:p14="http://schemas.microsoft.com/office/powerpoint/2010/main" val="2530574234"/>
       </p:ext>
     </p:extLst>
   </p:cSld>
@@ -6949,7 +6949,7 @@
             <a:fld id="{48A87A34-81AB-432B-8DAE-1953F412C126}" type="datetimeFigureOut">
               <a:rPr lang="en-US" smtClean="0"/>
               <a:pPr/>
-              <a:t>9/28/2017</a:t>
+              <a:t>10/3/2017</a:t>
             </a:fld>
             <a:endParaRPr lang="en-US" dirty="0"/>
           </a:p>
@@ -7083,7 +7083,7 @@
     </p:spTree>
     <p:extLst>
       <p:ext uri="{BB962C8B-B14F-4D97-AF65-F5344CB8AC3E}">
-        <p14:creationId xmlns:p14="http://schemas.microsoft.com/office/powerpoint/2010/main" xmlns="" val="1004790222"/>
+        <p14:creationId xmlns="" xmlns:p14="http://schemas.microsoft.com/office/powerpoint/2010/main" val="1004790222"/>
       </p:ext>
     </p:extLst>
   </p:cSld>
@@ -7344,7 +7344,7 @@
             <a:fld id="{48A87A34-81AB-432B-8DAE-1953F412C126}" type="datetimeFigureOut">
               <a:rPr lang="en-US" smtClean="0"/>
               <a:pPr/>
-              <a:t>9/28/2017</a:t>
+              <a:t>10/3/2017</a:t>
             </a:fld>
             <a:endParaRPr lang="en-US" dirty="0"/>
           </a:p>
@@ -7396,7 +7396,7 @@
     </p:spTree>
     <p:extLst>
       <p:ext uri="{BB962C8B-B14F-4D97-AF65-F5344CB8AC3E}">
-        <p14:creationId xmlns:p14="http://schemas.microsoft.com/office/powerpoint/2010/main" xmlns="" val="3328784466"/>
+        <p14:creationId xmlns="" xmlns:p14="http://schemas.microsoft.com/office/powerpoint/2010/main" val="3328784466"/>
       </p:ext>
     </p:extLst>
   </p:cSld>
@@ -7516,7 +7516,7 @@
             <a:fld id="{48A87A34-81AB-432B-8DAE-1953F412C126}" type="datetimeFigureOut">
               <a:rPr lang="en-US" smtClean="0"/>
               <a:pPr/>
-              <a:t>9/28/2017</a:t>
+              <a:t>10/3/2017</a:t>
             </a:fld>
             <a:endParaRPr lang="en-US" dirty="0"/>
           </a:p>
@@ -7568,7 +7568,7 @@
     </p:spTree>
     <p:extLst>
       <p:ext uri="{BB962C8B-B14F-4D97-AF65-F5344CB8AC3E}">
-        <p14:creationId xmlns:p14="http://schemas.microsoft.com/office/powerpoint/2010/main" xmlns="" val="1447070425"/>
+        <p14:creationId xmlns="" xmlns:p14="http://schemas.microsoft.com/office/powerpoint/2010/main" val="1447070425"/>
       </p:ext>
     </p:extLst>
   </p:cSld>
@@ -7698,7 +7698,7 @@
             <a:fld id="{48A87A34-81AB-432B-8DAE-1953F412C126}" type="datetimeFigureOut">
               <a:rPr lang="en-US" smtClean="0"/>
               <a:pPr/>
-              <a:t>9/28/2017</a:t>
+              <a:t>10/3/2017</a:t>
             </a:fld>
             <a:endParaRPr lang="en-US" dirty="0"/>
           </a:p>
@@ -7750,7 +7750,7 @@
     </p:spTree>
     <p:extLst>
       <p:ext uri="{BB962C8B-B14F-4D97-AF65-F5344CB8AC3E}">
-        <p14:creationId xmlns:p14="http://schemas.microsoft.com/office/powerpoint/2010/main" xmlns="" val="3648480235"/>
+        <p14:creationId xmlns="" xmlns:p14="http://schemas.microsoft.com/office/powerpoint/2010/main" val="3648480235"/>
       </p:ext>
     </p:extLst>
   </p:cSld>
@@ -7876,7 +7876,7 @@
             <a:fld id="{48A87A34-81AB-432B-8DAE-1953F412C126}" type="datetimeFigureOut">
               <a:rPr lang="en-US" smtClean="0"/>
               <a:pPr/>
-              <a:t>9/28/2017</a:t>
+              <a:t>10/3/2017</a:t>
             </a:fld>
             <a:endParaRPr lang="en-US" dirty="0"/>
           </a:p>
@@ -7928,7 +7928,7 @@
     </p:spTree>
     <p:extLst>
       <p:ext uri="{BB962C8B-B14F-4D97-AF65-F5344CB8AC3E}">
-        <p14:creationId xmlns:p14="http://schemas.microsoft.com/office/powerpoint/2010/main" xmlns="" val="2649633687"/>
+        <p14:creationId xmlns="" xmlns:p14="http://schemas.microsoft.com/office/powerpoint/2010/main" val="2649633687"/>
       </p:ext>
     </p:extLst>
   </p:cSld>
@@ -8125,7 +8125,7 @@
             <a:fld id="{48A87A34-81AB-432B-8DAE-1953F412C126}" type="datetimeFigureOut">
               <a:rPr lang="en-US" smtClean="0"/>
               <a:pPr/>
-              <a:t>9/28/2017</a:t>
+              <a:t>10/3/2017</a:t>
             </a:fld>
             <a:endParaRPr lang="en-US" dirty="0"/>
           </a:p>
@@ -8177,7 +8177,7 @@
     </p:spTree>
     <p:extLst>
       <p:ext uri="{BB962C8B-B14F-4D97-AF65-F5344CB8AC3E}">
-        <p14:creationId xmlns:p14="http://schemas.microsoft.com/office/powerpoint/2010/main" xmlns="" val="572893903"/>
+        <p14:creationId xmlns="" xmlns:p14="http://schemas.microsoft.com/office/powerpoint/2010/main" val="572893903"/>
       </p:ext>
     </p:extLst>
   </p:cSld>
@@ -8359,7 +8359,7 @@
             <a:fld id="{48A87A34-81AB-432B-8DAE-1953F412C126}" type="datetimeFigureOut">
               <a:rPr lang="en-US" smtClean="0"/>
               <a:pPr/>
-              <a:t>9/28/2017</a:t>
+              <a:t>10/3/2017</a:t>
             </a:fld>
             <a:endParaRPr lang="en-US" dirty="0"/>
           </a:p>
@@ -8411,7 +8411,7 @@
     </p:spTree>
     <p:extLst>
       <p:ext uri="{BB962C8B-B14F-4D97-AF65-F5344CB8AC3E}">
-        <p14:creationId xmlns:p14="http://schemas.microsoft.com/office/powerpoint/2010/main" xmlns="" val="3918475607"/>
+        <p14:creationId xmlns="" xmlns:p14="http://schemas.microsoft.com/office/powerpoint/2010/main" val="3918475607"/>
       </p:ext>
     </p:extLst>
   </p:cSld>
@@ -8735,7 +8735,7 @@
             <a:fld id="{48A87A34-81AB-432B-8DAE-1953F412C126}" type="datetimeFigureOut">
               <a:rPr lang="en-US" smtClean="0"/>
               <a:pPr/>
-              <a:t>9/28/2017</a:t>
+              <a:t>10/3/2017</a:t>
             </a:fld>
             <a:endParaRPr lang="en-US" dirty="0"/>
           </a:p>
@@ -8787,7 +8787,7 @@
     </p:spTree>
     <p:extLst>
       <p:ext uri="{BB962C8B-B14F-4D97-AF65-F5344CB8AC3E}">
-        <p14:creationId xmlns:p14="http://schemas.microsoft.com/office/powerpoint/2010/main" xmlns="" val="70569158"/>
+        <p14:creationId xmlns="" xmlns:p14="http://schemas.microsoft.com/office/powerpoint/2010/main" val="70569158"/>
       </p:ext>
     </p:extLst>
   </p:cSld>
@@ -8860,7 +8860,7 @@
             <a:fld id="{48A87A34-81AB-432B-8DAE-1953F412C126}" type="datetimeFigureOut">
               <a:rPr lang="en-US" smtClean="0"/>
               <a:pPr/>
-              <a:t>9/28/2017</a:t>
+              <a:t>10/3/2017</a:t>
             </a:fld>
             <a:endParaRPr lang="en-US" dirty="0"/>
           </a:p>
@@ -8912,7 +8912,7 @@
     </p:spTree>
     <p:extLst>
       <p:ext uri="{BB962C8B-B14F-4D97-AF65-F5344CB8AC3E}">
-        <p14:creationId xmlns:p14="http://schemas.microsoft.com/office/powerpoint/2010/main" xmlns="" val="3956773614"/>
+        <p14:creationId xmlns="" xmlns:p14="http://schemas.microsoft.com/office/powerpoint/2010/main" val="3956773614"/>
       </p:ext>
     </p:extLst>
   </p:cSld>
@@ -8957,7 +8957,7 @@
             <a:fld id="{48A87A34-81AB-432B-8DAE-1953F412C126}" type="datetimeFigureOut">
               <a:rPr lang="en-US" smtClean="0"/>
               <a:pPr/>
-              <a:t>9/28/2017</a:t>
+              <a:t>10/3/2017</a:t>
             </a:fld>
             <a:endParaRPr lang="en-US" dirty="0"/>
           </a:p>
@@ -9009,7 +9009,7 @@
     </p:spTree>
     <p:extLst>
       <p:ext uri="{BB962C8B-B14F-4D97-AF65-F5344CB8AC3E}">
-        <p14:creationId xmlns:p14="http://schemas.microsoft.com/office/powerpoint/2010/main" xmlns="" val="843387325"/>
+        <p14:creationId xmlns="" xmlns:p14="http://schemas.microsoft.com/office/powerpoint/2010/main" val="843387325"/>
       </p:ext>
     </p:extLst>
   </p:cSld>
@@ -9214,7 +9214,7 @@
             <a:fld id="{48A87A34-81AB-432B-8DAE-1953F412C126}" type="datetimeFigureOut">
               <a:rPr lang="en-US" smtClean="0"/>
               <a:pPr/>
-              <a:t>9/28/2017</a:t>
+              <a:t>10/3/2017</a:t>
             </a:fld>
             <a:endParaRPr lang="en-US" dirty="0"/>
           </a:p>
@@ -9266,7 +9266,7 @@
     </p:spTree>
     <p:extLst>
       <p:ext uri="{BB962C8B-B14F-4D97-AF65-F5344CB8AC3E}">
-        <p14:creationId xmlns:p14="http://schemas.microsoft.com/office/powerpoint/2010/main" xmlns="" val="614752468"/>
+        <p14:creationId xmlns="" xmlns:p14="http://schemas.microsoft.com/office/powerpoint/2010/main" val="614752468"/>
       </p:ext>
     </p:extLst>
   </p:cSld>
@@ -9479,7 +9479,7 @@
             <a:fld id="{48A87A34-81AB-432B-8DAE-1953F412C126}" type="datetimeFigureOut">
               <a:rPr lang="en-US" smtClean="0"/>
               <a:pPr/>
-              <a:t>9/28/2017</a:t>
+              <a:t>10/3/2017</a:t>
             </a:fld>
             <a:endParaRPr lang="en-US" dirty="0"/>
           </a:p>
@@ -9531,7 +9531,7 @@
     </p:spTree>
     <p:extLst>
       <p:ext uri="{BB962C8B-B14F-4D97-AF65-F5344CB8AC3E}">
-        <p14:creationId xmlns:p14="http://schemas.microsoft.com/office/powerpoint/2010/main" xmlns="" val="2525773852"/>
+        <p14:creationId xmlns="" xmlns:p14="http://schemas.microsoft.com/office/powerpoint/2010/main" val="2525773852"/>
       </p:ext>
     </p:extLst>
   </p:cSld>
@@ -10224,7 +10224,7 @@
             <a:fld id="{48A87A34-81AB-432B-8DAE-1953F412C126}" type="datetimeFigureOut">
               <a:rPr lang="en-US" smtClean="0"/>
               <a:pPr/>
-              <a:t>9/28/2017</a:t>
+              <a:t>10/3/2017</a:t>
             </a:fld>
             <a:endParaRPr lang="en-US" dirty="0"/>
           </a:p>
@@ -10310,7 +10310,7 @@
     </p:spTree>
     <p:extLst>
       <p:ext uri="{BB962C8B-B14F-4D97-AF65-F5344CB8AC3E}">
-        <p14:creationId xmlns:p14="http://schemas.microsoft.com/office/powerpoint/2010/main" xmlns="" val="2849168193"/>
+        <p14:creationId xmlns="" xmlns:p14="http://schemas.microsoft.com/office/powerpoint/2010/main" val="2849168193"/>
       </p:ext>
     </p:extLst>
   </p:cSld>
@@ -10797,7 +10797,7 @@
     </p:spTree>
     <p:extLst>
       <p:ext uri="{BB962C8B-B14F-4D97-AF65-F5344CB8AC3E}">
-        <p14:creationId xmlns:p14="http://schemas.microsoft.com/office/powerpoint/2010/main" xmlns="" val="1597654807"/>
+        <p14:creationId xmlns="" xmlns:p14="http://schemas.microsoft.com/office/powerpoint/2010/main" val="1597654807"/>
       </p:ext>
     </p:extLst>
   </p:cSld>
@@ -10965,13 +10965,7 @@
               <a:rPr lang="he-IL" sz="4000" dirty="0" smtClean="0">
                 <a:latin typeface="Calibri" pitchFamily="34" charset="0"/>
               </a:rPr>
-              <a:t>בקרה בחוג </a:t>
-            </a:r>
-            <a:r>
-              <a:rPr lang="he-IL" sz="4000" dirty="0" smtClean="0">
-                <a:latin typeface="Calibri" pitchFamily="34" charset="0"/>
-              </a:rPr>
-              <a:t>פתוח</a:t>
+              <a:t>בקרה בחוג פתוח</a:t>
             </a:r>
           </a:p>
           <a:p>
@@ -10980,17 +10974,20 @@
               <a:rPr lang="he-IL" sz="3600" dirty="0" smtClean="0">
                 <a:latin typeface="Calibri" pitchFamily="34" charset="0"/>
               </a:rPr>
-              <a:t> המערכת מבוקרת </a:t>
-            </a:r>
+              <a:t> המערכת מבוקרת ללא חיישנים</a:t>
+            </a:r>
+            <a:endParaRPr lang="en-US" sz="3600" dirty="0" smtClean="0">
+              <a:latin typeface="Calibri" pitchFamily="34" charset="0"/>
+            </a:endParaRPr>
+          </a:p>
+          <a:p>
+            <a:pPr lvl="1"/>
             <a:r>
               <a:rPr lang="he-IL" sz="3600" dirty="0" smtClean="0">
                 <a:latin typeface="Calibri" pitchFamily="34" charset="0"/>
               </a:rPr>
-              <a:t>ללא חיישנים</a:t>
-            </a:r>
-            <a:endParaRPr lang="en-US" sz="3600" dirty="0" smtClean="0">
-              <a:latin typeface="Calibri" pitchFamily="34" charset="0"/>
-            </a:endParaRPr>
+              <a:t>יש להגדיר מראש את צורת פעולת המערכת</a:t>
+            </a:r>
           </a:p>
           <a:p>
             <a:pPr lvl="1"/>
@@ -10998,28 +10995,7 @@
               <a:rPr lang="he-IL" sz="3600" dirty="0" smtClean="0">
                 <a:latin typeface="Calibri" pitchFamily="34" charset="0"/>
               </a:rPr>
-              <a:t>יש להגדיר </a:t>
-            </a:r>
-            <a:r>
-              <a:rPr lang="he-IL" sz="3600" dirty="0" smtClean="0">
-                <a:latin typeface="Calibri" pitchFamily="34" charset="0"/>
-              </a:rPr>
-              <a:t>מראש את צורת פעולת המערכת</a:t>
-            </a:r>
-          </a:p>
-          <a:p>
-            <a:pPr lvl="1"/>
-            <a:r>
-              <a:rPr lang="he-IL" sz="3600" dirty="0" smtClean="0">
-                <a:latin typeface="Calibri" pitchFamily="34" charset="0"/>
-              </a:rPr>
-              <a:t> </a:t>
-            </a:r>
-            <a:r>
-              <a:rPr lang="he-IL" sz="3600" dirty="0" smtClean="0">
-                <a:latin typeface="Calibri" pitchFamily="34" charset="0"/>
-              </a:rPr>
-              <a:t>לא מתמודדת בצורה יעילה עם הפרעות</a:t>
+              <a:t> לא מתמודדת בצורה יעילה עם הפרעות</a:t>
             </a:r>
           </a:p>
           <a:p>
@@ -11195,13 +11171,7 @@
               <a:rPr lang="he-IL" sz="4000" dirty="0" smtClean="0">
                 <a:latin typeface="Calibri" pitchFamily="34" charset="0"/>
               </a:rPr>
-              <a:t>בקרה בחוג </a:t>
-            </a:r>
-            <a:r>
-              <a:rPr lang="he-IL" sz="4000" dirty="0" smtClean="0">
-                <a:latin typeface="Calibri" pitchFamily="34" charset="0"/>
-              </a:rPr>
-              <a:t>סגור</a:t>
+              <a:t>בקרה בחוג סגור</a:t>
             </a:r>
           </a:p>
           <a:p>
@@ -11210,40 +11180,16 @@
               <a:rPr lang="he-IL" sz="3200" dirty="0" smtClean="0">
                 <a:latin typeface="Calibri" pitchFamily="34" charset="0"/>
               </a:rPr>
-              <a:t>במערכת </a:t>
-            </a:r>
+              <a:t>במערכת הבקרה יש משוב המגיע מחיישנים במערכת</a:t>
+            </a:r>
+          </a:p>
+          <a:p>
+            <a:pPr lvl="1"/>
             <a:r>
               <a:rPr lang="he-IL" sz="3200" dirty="0" smtClean="0">
                 <a:latin typeface="Calibri" pitchFamily="34" charset="0"/>
               </a:rPr>
-              <a:t>הבקרה </a:t>
-            </a:r>
-            <a:r>
-              <a:rPr lang="he-IL" sz="3200" dirty="0" smtClean="0">
-                <a:latin typeface="Calibri" pitchFamily="34" charset="0"/>
-              </a:rPr>
-              <a:t>יש משוב המגיע מחיישנים במערכת</a:t>
-            </a:r>
-          </a:p>
-          <a:p>
-            <a:pPr lvl="1"/>
-            <a:r>
-              <a:rPr lang="he-IL" sz="3200" dirty="0" smtClean="0">
-                <a:latin typeface="Calibri" pitchFamily="34" charset="0"/>
-              </a:rPr>
-              <a:t>החיישנים מעבירים מדידות לבקר והבקר </a:t>
-            </a:r>
-            <a:r>
-              <a:rPr lang="he-IL" sz="3200" dirty="0" smtClean="0">
-                <a:latin typeface="Calibri" pitchFamily="34" charset="0"/>
-              </a:rPr>
-              <a:t>מעביר הוראות הפעלה בהתאם </a:t>
-            </a:r>
-            <a:r>
-              <a:rPr lang="he-IL" sz="3200" dirty="0" smtClean="0">
-                <a:latin typeface="Calibri" pitchFamily="34" charset="0"/>
-              </a:rPr>
-              <a:t>למידע</a:t>
+              <a:t>החיישנים מעבירים מדידות לבקר והבקר מעביר הוראות הפעלה בהתאם למידע</a:t>
             </a:r>
           </a:p>
           <a:p>
@@ -11896,83 +11842,7 @@
   <p:timing>
     <p:tnLst>
       <p:par>
-        <p:cTn id="1" dur="indefinite" restart="never" nodeType="tmRoot">
-          <p:childTnLst>
-            <p:seq concurrent="1" nextAc="seek">
-              <p:cTn id="2" dur="indefinite" nodeType="mainSeq">
-                <p:childTnLst>
-                  <p:par>
-                    <p:cTn id="3" fill="hold">
-                      <p:stCondLst>
-                        <p:cond delay="indefinite"/>
-                      </p:stCondLst>
-                      <p:childTnLst>
-                        <p:par>
-                          <p:cTn id="4" fill="hold">
-                            <p:stCondLst>
-                              <p:cond delay="0"/>
-                            </p:stCondLst>
-                            <p:childTnLst>
-                              <p:par>
-                                <p:cTn id="5" presetID="22" presetClass="entr" presetSubtype="8" fill="hold" nodeType="clickEffect">
-                                  <p:stCondLst>
-                                    <p:cond delay="0"/>
-                                  </p:stCondLst>
-                                  <p:childTnLst>
-                                    <p:set>
-                                      <p:cBhvr>
-                                        <p:cTn id="6" dur="1" fill="hold">
-                                          <p:stCondLst>
-                                            <p:cond delay="0"/>
-                                          </p:stCondLst>
-                                        </p:cTn>
-                                        <p:tgtEl>
-                                          <p:spTgt spid="6"/>
-                                        </p:tgtEl>
-                                        <p:attrNameLst>
-                                          <p:attrName>style.visibility</p:attrName>
-                                        </p:attrNameLst>
-                                      </p:cBhvr>
-                                      <p:to>
-                                        <p:strVal val="visible"/>
-                                      </p:to>
-                                    </p:set>
-                                    <p:animEffect transition="in" filter="wipe(left)">
-                                      <p:cBhvr>
-                                        <p:cTn id="7" dur="500"/>
-                                        <p:tgtEl>
-                                          <p:spTgt spid="6"/>
-                                        </p:tgtEl>
-                                      </p:cBhvr>
-                                    </p:animEffect>
-                                  </p:childTnLst>
-                                </p:cTn>
-                              </p:par>
-                            </p:childTnLst>
-                          </p:cTn>
-                        </p:par>
-                      </p:childTnLst>
-                    </p:cTn>
-                  </p:par>
-                </p:childTnLst>
-              </p:cTn>
-              <p:prevCondLst>
-                <p:cond evt="onPrev" delay="0">
-                  <p:tgtEl>
-                    <p:sldTgt/>
-                  </p:tgtEl>
-                </p:cond>
-              </p:prevCondLst>
-              <p:nextCondLst>
-                <p:cond evt="onNext" delay="0">
-                  <p:tgtEl>
-                    <p:sldTgt/>
-                  </p:tgtEl>
-                </p:cond>
-              </p:nextCondLst>
-            </p:seq>
-          </p:childTnLst>
-        </p:cTn>
+        <p:cTn id="1" dur="indefinite" restart="never" nodeType="tmRoot"/>
       </p:par>
     </p:tnLst>
   </p:timing>
@@ -12053,36 +11923,18 @@
               <a:rPr lang="he-IL" sz="4000" dirty="0" smtClean="0">
                 <a:latin typeface="Calibri" pitchFamily="34" charset="0"/>
               </a:rPr>
-              <a:t>החיישנים הם הרכיבים המשמשים כ"חושים" של </a:t>
-            </a:r>
+              <a:t>החיישנים הם הרכיבים המשמשים כ"חושים" של הרובוטים.</a:t>
+            </a:r>
+            <a:endParaRPr lang="en-US" sz="4000" dirty="0" smtClean="0">
+              <a:latin typeface="Calibri" pitchFamily="34" charset="0"/>
+            </a:endParaRPr>
+          </a:p>
+          <a:p>
             <a:r>
               <a:rPr lang="he-IL" sz="4000" dirty="0" smtClean="0">
                 <a:latin typeface="Calibri" pitchFamily="34" charset="0"/>
               </a:rPr>
-              <a:t>הרובוטים.</a:t>
-            </a:r>
-            <a:endParaRPr lang="en-US" sz="4000" dirty="0" smtClean="0">
-              <a:latin typeface="Calibri" pitchFamily="34" charset="0"/>
-            </a:endParaRPr>
-          </a:p>
-          <a:p>
-            <a:r>
-              <a:rPr lang="he-IL" sz="4000" dirty="0" smtClean="0">
-                <a:latin typeface="Calibri" pitchFamily="34" charset="0"/>
-              </a:rPr>
-              <a:t>מאפשרים לבקר </a:t>
-            </a:r>
-            <a:r>
-              <a:rPr lang="he-IL" sz="4000" dirty="0" smtClean="0">
-                <a:latin typeface="Calibri" pitchFamily="34" charset="0"/>
-              </a:rPr>
-              <a:t>לקבל מידע על </a:t>
-            </a:r>
-            <a:r>
-              <a:rPr lang="he-IL" sz="4000" dirty="0" smtClean="0">
-                <a:latin typeface="Calibri" pitchFamily="34" charset="0"/>
-              </a:rPr>
-              <a:t>סביבת הרובוט </a:t>
+              <a:t>מאפשרים לבקר לקבל מידע על סביבת הרובוט </a:t>
             </a:r>
           </a:p>
           <a:p>
@@ -12189,36 +12041,18 @@
               <a:rPr lang="he-IL" sz="4000" dirty="0" smtClean="0">
                 <a:latin typeface="Calibri" pitchFamily="34" charset="0"/>
               </a:rPr>
-              <a:t>החיישנים הם הרכיבים המשמשים כ"חושים" של </a:t>
-            </a:r>
+              <a:t>החיישנים הם הרכיבים המשמשים כ"חושים" של הרובוטים.</a:t>
+            </a:r>
+            <a:endParaRPr lang="en-US" sz="4000" dirty="0" smtClean="0">
+              <a:latin typeface="Calibri" pitchFamily="34" charset="0"/>
+            </a:endParaRPr>
+          </a:p>
+          <a:p>
             <a:r>
               <a:rPr lang="he-IL" sz="4000" dirty="0" smtClean="0">
                 <a:latin typeface="Calibri" pitchFamily="34" charset="0"/>
               </a:rPr>
-              <a:t>הרובוטים.</a:t>
-            </a:r>
-            <a:endParaRPr lang="en-US" sz="4000" dirty="0" smtClean="0">
-              <a:latin typeface="Calibri" pitchFamily="34" charset="0"/>
-            </a:endParaRPr>
-          </a:p>
-          <a:p>
-            <a:r>
-              <a:rPr lang="he-IL" sz="4000" dirty="0" smtClean="0">
-                <a:latin typeface="Calibri" pitchFamily="34" charset="0"/>
-              </a:rPr>
-              <a:t>מאפשרים לבקר </a:t>
-            </a:r>
-            <a:r>
-              <a:rPr lang="he-IL" sz="4000" dirty="0" smtClean="0">
-                <a:latin typeface="Calibri" pitchFamily="34" charset="0"/>
-              </a:rPr>
-              <a:t>לקבל מידע על </a:t>
-            </a:r>
-            <a:r>
-              <a:rPr lang="he-IL" sz="4000" dirty="0" smtClean="0">
-                <a:latin typeface="Calibri" pitchFamily="34" charset="0"/>
-              </a:rPr>
-              <a:t>סביבת הרובוט </a:t>
+              <a:t>מאפשרים לבקר לקבל מידע על סביבת הרובוט </a:t>
             </a:r>
           </a:p>
           <a:p>
@@ -12653,27 +12487,8 @@
                   </a:prstClr>
                 </a:solidFill>
               </a:rPr>
-              <a:t> בניית דגם </a:t>
-            </a:r>
-            <a:r>
-              <a:rPr lang="he-IL" sz="4000" dirty="0" smtClean="0">
-                <a:solidFill>
-                  <a:prstClr val="black">
-                    <a:lumMod val="75000"/>
-                    <a:lumOff val="25000"/>
-                  </a:prstClr>
-                </a:solidFill>
-              </a:rPr>
-              <a:t>מייבש ידיים</a:t>
-            </a:r>
-            <a:endParaRPr lang="he-IL" sz="4000" dirty="0" smtClean="0">
-              <a:solidFill>
-                <a:prstClr val="black">
-                  <a:lumMod val="75000"/>
-                  <a:lumOff val="25000"/>
-                </a:prstClr>
-              </a:solidFill>
-            </a:endParaRPr>
+              <a:t> בניית דגם מייבש ידיים</a:t>
+            </a:r>
           </a:p>
           <a:p>
             <a:pPr marL="800100" lvl="1" indent="-342900" algn="r" rtl="1">
@@ -12720,18 +12535,7 @@
                   </a:prstClr>
                 </a:solidFill>
               </a:rPr>
-              <a:t> עמוד </a:t>
-            </a:r>
-            <a:r>
-              <a:rPr lang="he-IL" sz="4000" dirty="0" smtClean="0">
-                <a:solidFill>
-                  <a:prstClr val="black">
-                    <a:lumMod val="75000"/>
-                    <a:lumOff val="25000"/>
-                  </a:prstClr>
-                </a:solidFill>
-              </a:rPr>
-              <a:t>12</a:t>
+              <a:t> עמוד 12</a:t>
             </a:r>
             <a:endParaRPr lang="en-US" sz="4000" dirty="0" smtClean="0">
               <a:solidFill>
@@ -12809,7 +12613,7 @@
     </p:spTree>
     <p:extLst>
       <p:ext uri="{BB962C8B-B14F-4D97-AF65-F5344CB8AC3E}">
-        <p14:creationId xmlns:p14="http://schemas.microsoft.com/office/powerpoint/2010/main" xmlns="" val="2508929371"/>
+        <p14:creationId xmlns="" xmlns:p14="http://schemas.microsoft.com/office/powerpoint/2010/main" val="2508929371"/>
       </p:ext>
     </p:extLst>
   </p:cSld>
@@ -12937,7 +12741,7 @@
     </p:spTree>
     <p:extLst>
       <p:ext uri="{BB962C8B-B14F-4D97-AF65-F5344CB8AC3E}">
-        <p14:creationId xmlns="" xmlns:p14="http://schemas.microsoft.com/office/powerpoint/2010/main" val="2508929371"/>
+        <p14:creationId xmlns:p14="http://schemas.microsoft.com/office/powerpoint/2010/main" xmlns="" val="2508929371"/>
       </p:ext>
     </p:extLst>
   </p:cSld>
@@ -13021,11 +12825,7 @@
           <a:p>
             <a:r>
               <a:rPr lang="he-IL" sz="4000" dirty="0" smtClean="0"/>
-              <a:t> חזרה </a:t>
-            </a:r>
-            <a:r>
-              <a:rPr lang="he-IL" sz="4000" dirty="0" smtClean="0"/>
-              <a:t>ותזכורת</a:t>
+              <a:t> חזרה ותזכורת</a:t>
             </a:r>
           </a:p>
           <a:p>
@@ -13045,13 +12845,8 @@
             <a:pPr lvl="1"/>
             <a:r>
               <a:rPr lang="he-IL" sz="3800" dirty="0" smtClean="0"/>
-              <a:t> בקרה בחוג פתוח /</a:t>
-            </a:r>
-            <a:r>
-              <a:rPr lang="he-IL" sz="3800" dirty="0" smtClean="0"/>
-              <a:t>סגור</a:t>
-            </a:r>
-            <a:endParaRPr lang="he-IL" sz="3800" dirty="0" smtClean="0"/>
+              <a:t> בקרה בחוג פתוח /סגור</a:t>
+            </a:r>
           </a:p>
           <a:p>
             <a:pPr lvl="1"/>
@@ -13074,14 +12869,12 @@
               <a:rPr lang="he-IL" sz="4000" dirty="0" smtClean="0"/>
               <a:t>חיישן אור דיגיטלי</a:t>
             </a:r>
-            <a:endParaRPr lang="he-IL" sz="4000" dirty="0" smtClean="0"/>
           </a:p>
           <a:p>
             <a:r>
               <a:rPr lang="he-IL" sz="4000" dirty="0" smtClean="0"/>
               <a:t>בניית דגם מייבש ידיים</a:t>
             </a:r>
-            <a:endParaRPr lang="he-IL" sz="4000" dirty="0" smtClean="0"/>
           </a:p>
           <a:p>
             <a:r>
@@ -13100,7 +12893,7 @@
     </p:spTree>
     <p:extLst>
       <p:ext uri="{BB962C8B-B14F-4D97-AF65-F5344CB8AC3E}">
-        <p14:creationId xmlns:p14="http://schemas.microsoft.com/office/powerpoint/2010/main" xmlns="" val="2508929371"/>
+        <p14:creationId xmlns="" xmlns:p14="http://schemas.microsoft.com/office/powerpoint/2010/main" val="2508929371"/>
       </p:ext>
     </p:extLst>
   </p:cSld>
@@ -13186,7 +12979,6 @@
               <a:rPr lang="he-IL" sz="4000" dirty="0" smtClean="0"/>
               <a:t>רובוטיקה</a:t>
             </a:r>
-            <a:endParaRPr lang="he-IL" sz="4000" dirty="0" smtClean="0"/>
           </a:p>
           <a:p>
             <a:r>
@@ -13211,7 +13003,7 @@
     </p:spTree>
     <p:extLst>
       <p:ext uri="{BB962C8B-B14F-4D97-AF65-F5344CB8AC3E}">
-        <p14:creationId xmlns:p14="http://schemas.microsoft.com/office/powerpoint/2010/main" xmlns="" val="2508929371"/>
+        <p14:creationId xmlns="" xmlns:p14="http://schemas.microsoft.com/office/powerpoint/2010/main" val="2508929371"/>
       </p:ext>
     </p:extLst>
   </p:cSld>
@@ -13413,144 +13205,9 @@
   <p:timing>
     <p:tnLst>
       <p:par>
-        <p:cTn id="1" dur="indefinite" restart="never" nodeType="tmRoot">
-          <p:childTnLst>
-            <p:seq concurrent="1" nextAc="seek">
-              <p:cTn id="2" dur="indefinite" nodeType="mainSeq">
-                <p:childTnLst>
-                  <p:par>
-                    <p:cTn id="3" fill="hold">
-                      <p:stCondLst>
-                        <p:cond delay="indefinite"/>
-                      </p:stCondLst>
-                      <p:childTnLst>
-                        <p:par>
-                          <p:cTn id="4" fill="hold">
-                            <p:stCondLst>
-                              <p:cond delay="0"/>
-                            </p:stCondLst>
-                            <p:childTnLst>
-                              <p:par>
-                                <p:cTn id="5" presetID="22" presetClass="entr" presetSubtype="8" fill="hold" grpId="0" nodeType="clickEffect">
-                                  <p:stCondLst>
-                                    <p:cond delay="0"/>
-                                  </p:stCondLst>
-                                  <p:childTnLst>
-                                    <p:set>
-                                      <p:cBhvr>
-                                        <p:cTn id="6" dur="1" fill="hold">
-                                          <p:stCondLst>
-                                            <p:cond delay="0"/>
-                                          </p:stCondLst>
-                                        </p:cTn>
-                                        <p:tgtEl>
-                                          <p:spTgt spid="6"/>
-                                        </p:tgtEl>
-                                        <p:attrNameLst>
-                                          <p:attrName>style.visibility</p:attrName>
-                                        </p:attrNameLst>
-                                      </p:cBhvr>
-                                      <p:to>
-                                        <p:strVal val="visible"/>
-                                      </p:to>
-                                    </p:set>
-                                    <p:animEffect transition="in" filter="wipe(left)">
-                                      <p:cBhvr>
-                                        <p:cTn id="7" dur="2000"/>
-                                        <p:tgtEl>
-                                          <p:spTgt spid="6"/>
-                                        </p:tgtEl>
-                                      </p:cBhvr>
-                                    </p:animEffect>
-                                  </p:childTnLst>
-                                </p:cTn>
-                              </p:par>
-                            </p:childTnLst>
-                          </p:cTn>
-                        </p:par>
-                      </p:childTnLst>
-                    </p:cTn>
-                  </p:par>
-                  <p:par>
-                    <p:cTn id="8" fill="hold">
-                      <p:stCondLst>
-                        <p:cond delay="indefinite"/>
-                      </p:stCondLst>
-                      <p:childTnLst>
-                        <p:par>
-                          <p:cTn id="9" fill="hold">
-                            <p:stCondLst>
-                              <p:cond delay="0"/>
-                            </p:stCondLst>
-                            <p:childTnLst>
-                              <p:par>
-                                <p:cTn id="10" presetID="9" presetClass="entr" presetSubtype="0" fill="hold" grpId="0" nodeType="clickEffect">
-                                  <p:stCondLst>
-                                    <p:cond delay="0"/>
-                                  </p:stCondLst>
-                                  <p:childTnLst>
-                                    <p:set>
-                                      <p:cBhvr>
-                                        <p:cTn id="11" dur="1" fill="hold">
-                                          <p:stCondLst>
-                                            <p:cond delay="0"/>
-                                          </p:stCondLst>
-                                        </p:cTn>
-                                        <p:tgtEl>
-                                          <p:spTgt spid="7"/>
-                                        </p:tgtEl>
-                                        <p:attrNameLst>
-                                          <p:attrName>style.visibility</p:attrName>
-                                        </p:attrNameLst>
-                                      </p:cBhvr>
-                                      <p:to>
-                                        <p:strVal val="visible"/>
-                                      </p:to>
-                                    </p:set>
-                                    <p:animEffect transition="in" filter="dissolve">
-                                      <p:cBhvr>
-                                        <p:cTn id="12" dur="500"/>
-                                        <p:tgtEl>
-                                          <p:spTgt spid="7"/>
-                                        </p:tgtEl>
-                                      </p:cBhvr>
-                                    </p:animEffect>
-                                  </p:childTnLst>
-                                </p:cTn>
-                              </p:par>
-                            </p:childTnLst>
-                          </p:cTn>
-                        </p:par>
-                      </p:childTnLst>
-                    </p:cTn>
-                  </p:par>
-                </p:childTnLst>
-              </p:cTn>
-              <p:prevCondLst>
-                <p:cond evt="onPrev" delay="0">
-                  <p:tgtEl>
-                    <p:sldTgt/>
-                  </p:tgtEl>
-                </p:cond>
-              </p:prevCondLst>
-              <p:nextCondLst>
-                <p:cond evt="onNext" delay="0">
-                  <p:tgtEl>
-                    <p:sldTgt/>
-                  </p:tgtEl>
-                </p:cond>
-              </p:nextCondLst>
-            </p:seq>
-          </p:childTnLst>
-        </p:cTn>
+        <p:cTn id="1" dur="indefinite" restart="never" nodeType="tmRoot"/>
       </p:par>
     </p:tnLst>
-    <p:bldLst>
-      <p:bldGraphic spid="6" grpId="0">
-        <p:bldAsOne/>
-      </p:bldGraphic>
-      <p:bldP spid="7" grpId="0"/>
-    </p:bldLst>
   </p:timing>
 </p:sld>
 </file>
@@ -13857,215 +13514,7 @@
   <p:timing>
     <p:tnLst>
       <p:par>
-        <p:cTn id="1" dur="indefinite" restart="never" nodeType="tmRoot">
-          <p:childTnLst>
-            <p:seq concurrent="1" nextAc="seek">
-              <p:cTn id="2" dur="indefinite" nodeType="mainSeq">
-                <p:childTnLst>
-                  <p:par>
-                    <p:cTn id="3" fill="hold">
-                      <p:stCondLst>
-                        <p:cond delay="indefinite"/>
-                      </p:stCondLst>
-                      <p:childTnLst>
-                        <p:par>
-                          <p:cTn id="4" fill="hold">
-                            <p:stCondLst>
-                              <p:cond delay="0"/>
-                            </p:stCondLst>
-                            <p:childTnLst>
-                              <p:par>
-                                <p:cTn id="5" presetID="9" presetClass="entr" presetSubtype="0" fill="hold" nodeType="clickEffect">
-                                  <p:stCondLst>
-                                    <p:cond delay="0"/>
-                                  </p:stCondLst>
-                                  <p:childTnLst>
-                                    <p:set>
-                                      <p:cBhvr>
-                                        <p:cTn id="6" dur="1" fill="hold">
-                                          <p:stCondLst>
-                                            <p:cond delay="0"/>
-                                          </p:stCondLst>
-                                        </p:cTn>
-                                        <p:tgtEl>
-                                          <p:spTgt spid="5"/>
-                                        </p:tgtEl>
-                                        <p:attrNameLst>
-                                          <p:attrName>style.visibility</p:attrName>
-                                        </p:attrNameLst>
-                                      </p:cBhvr>
-                                      <p:to>
-                                        <p:strVal val="visible"/>
-                                      </p:to>
-                                    </p:set>
-                                    <p:animEffect transition="in" filter="dissolve">
-                                      <p:cBhvr>
-                                        <p:cTn id="7" dur="500"/>
-                                        <p:tgtEl>
-                                          <p:spTgt spid="5"/>
-                                        </p:tgtEl>
-                                      </p:cBhvr>
-                                    </p:animEffect>
-                                  </p:childTnLst>
-                                </p:cTn>
-                              </p:par>
-                            </p:childTnLst>
-                          </p:cTn>
-                        </p:par>
-                      </p:childTnLst>
-                    </p:cTn>
-                  </p:par>
-                  <p:par>
-                    <p:cTn id="8" fill="hold">
-                      <p:stCondLst>
-                        <p:cond delay="indefinite"/>
-                      </p:stCondLst>
-                      <p:childTnLst>
-                        <p:par>
-                          <p:cTn id="9" fill="hold">
-                            <p:stCondLst>
-                              <p:cond delay="0"/>
-                            </p:stCondLst>
-                            <p:childTnLst>
-                              <p:par>
-                                <p:cTn id="10" presetID="9" presetClass="entr" presetSubtype="0" fill="hold" nodeType="clickEffect">
-                                  <p:stCondLst>
-                                    <p:cond delay="0"/>
-                                  </p:stCondLst>
-                                  <p:childTnLst>
-                                    <p:set>
-                                      <p:cBhvr>
-                                        <p:cTn id="11" dur="1" fill="hold">
-                                          <p:stCondLst>
-                                            <p:cond delay="0"/>
-                                          </p:stCondLst>
-                                        </p:cTn>
-                                        <p:tgtEl>
-                                          <p:spTgt spid="2"/>
-                                        </p:tgtEl>
-                                        <p:attrNameLst>
-                                          <p:attrName>style.visibility</p:attrName>
-                                        </p:attrNameLst>
-                                      </p:cBhvr>
-                                      <p:to>
-                                        <p:strVal val="visible"/>
-                                      </p:to>
-                                    </p:set>
-                                    <p:animEffect transition="in" filter="dissolve">
-                                      <p:cBhvr>
-                                        <p:cTn id="12" dur="500"/>
-                                        <p:tgtEl>
-                                          <p:spTgt spid="2"/>
-                                        </p:tgtEl>
-                                      </p:cBhvr>
-                                    </p:animEffect>
-                                  </p:childTnLst>
-                                </p:cTn>
-                              </p:par>
-                              <p:par>
-                                <p:cTn id="13" presetID="9" presetClass="entr" presetSubtype="0" fill="hold" nodeType="withEffect">
-                                  <p:stCondLst>
-                                    <p:cond delay="0"/>
-                                  </p:stCondLst>
-                                  <p:childTnLst>
-                                    <p:set>
-                                      <p:cBhvr>
-                                        <p:cTn id="14" dur="1" fill="hold">
-                                          <p:stCondLst>
-                                            <p:cond delay="0"/>
-                                          </p:stCondLst>
-                                        </p:cTn>
-                                        <p:tgtEl>
-                                          <p:spTgt spid="11"/>
-                                        </p:tgtEl>
-                                        <p:attrNameLst>
-                                          <p:attrName>style.visibility</p:attrName>
-                                        </p:attrNameLst>
-                                      </p:cBhvr>
-                                      <p:to>
-                                        <p:strVal val="visible"/>
-                                      </p:to>
-                                    </p:set>
-                                    <p:animEffect transition="in" filter="dissolve">
-                                      <p:cBhvr>
-                                        <p:cTn id="15" dur="500"/>
-                                        <p:tgtEl>
-                                          <p:spTgt spid="11"/>
-                                        </p:tgtEl>
-                                      </p:cBhvr>
-                                    </p:animEffect>
-                                  </p:childTnLst>
-                                </p:cTn>
-                              </p:par>
-                            </p:childTnLst>
-                          </p:cTn>
-                        </p:par>
-                        <p:par>
-                          <p:cTn id="16" fill="hold">
-                            <p:stCondLst>
-                              <p:cond delay="500"/>
-                            </p:stCondLst>
-                            <p:childTnLst>
-                              <p:par>
-                                <p:cTn id="17" presetID="9" presetClass="entr" presetSubtype="0" fill="hold" nodeType="afterEffect">
-                                  <p:stCondLst>
-                                    <p:cond delay="0"/>
-                                  </p:stCondLst>
-                                  <p:childTnLst>
-                                    <p:set>
-                                      <p:cBhvr>
-                                        <p:cTn id="18" dur="1" fill="hold">
-                                          <p:stCondLst>
-                                            <p:cond delay="0"/>
-                                          </p:stCondLst>
-                                        </p:cTn>
-                                        <p:tgtEl>
-                                          <p:spTgt spid="3"/>
-                                        </p:tgtEl>
-                                        <p:attrNameLst>
-                                          <p:attrName>style.visibility</p:attrName>
-                                        </p:attrNameLst>
-                                      </p:cBhvr>
-                                      <p:to>
-                                        <p:strVal val="visible"/>
-                                      </p:to>
-                                    </p:set>
-                                    <p:animEffect transition="in" filter="dissolve">
-                                      <p:cBhvr>
-                                        <p:cTn id="19" dur="500"/>
-                                        <p:tgtEl>
-                                          <p:spTgt spid="3"/>
-                                        </p:tgtEl>
-                                      </p:cBhvr>
-                                    </p:animEffect>
-                                  </p:childTnLst>
-                                </p:cTn>
-                              </p:par>
-                            </p:childTnLst>
-                          </p:cTn>
-                        </p:par>
-                      </p:childTnLst>
-                    </p:cTn>
-                  </p:par>
-                </p:childTnLst>
-              </p:cTn>
-              <p:prevCondLst>
-                <p:cond evt="onPrev" delay="0">
-                  <p:tgtEl>
-                    <p:sldTgt/>
-                  </p:tgtEl>
-                </p:cond>
-              </p:prevCondLst>
-              <p:nextCondLst>
-                <p:cond evt="onNext" delay="0">
-                  <p:tgtEl>
-                    <p:sldTgt/>
-                  </p:tgtEl>
-                </p:cond>
-              </p:nextCondLst>
-            </p:seq>
-          </p:childTnLst>
-        </p:cTn>
+        <p:cTn id="1" dur="indefinite" restart="never" nodeType="tmRoot"/>
       </p:par>
     </p:tnLst>
   </p:timing>
@@ -14315,197 +13764,7 @@
   <p:timing>
     <p:tnLst>
       <p:par>
-        <p:cTn id="1" dur="indefinite" restart="never" nodeType="tmRoot">
-          <p:childTnLst>
-            <p:seq concurrent="1" nextAc="seek">
-              <p:cTn id="2" dur="indefinite" nodeType="mainSeq">
-                <p:childTnLst>
-                  <p:par>
-                    <p:cTn id="3" fill="hold">
-                      <p:stCondLst>
-                        <p:cond delay="indefinite"/>
-                      </p:stCondLst>
-                      <p:childTnLst>
-                        <p:par>
-                          <p:cTn id="4" fill="hold">
-                            <p:stCondLst>
-                              <p:cond delay="0"/>
-                            </p:stCondLst>
-                            <p:childTnLst>
-                              <p:par>
-                                <p:cTn id="5" presetID="9" presetClass="entr" presetSubtype="0" fill="hold" nodeType="clickEffect">
-                                  <p:stCondLst>
-                                    <p:cond delay="0"/>
-                                  </p:stCondLst>
-                                  <p:childTnLst>
-                                    <p:set>
-                                      <p:cBhvr>
-                                        <p:cTn id="6" dur="1" fill="hold">
-                                          <p:stCondLst>
-                                            <p:cond delay="0"/>
-                                          </p:stCondLst>
-                                        </p:cTn>
-                                        <p:tgtEl>
-                                          <p:spTgt spid="4"/>
-                                        </p:tgtEl>
-                                        <p:attrNameLst>
-                                          <p:attrName>style.visibility</p:attrName>
-                                        </p:attrNameLst>
-                                      </p:cBhvr>
-                                      <p:to>
-                                        <p:strVal val="visible"/>
-                                      </p:to>
-                                    </p:set>
-                                    <p:animEffect transition="in" filter="dissolve">
-                                      <p:cBhvr>
-                                        <p:cTn id="7" dur="500"/>
-                                        <p:tgtEl>
-                                          <p:spTgt spid="4"/>
-                                        </p:tgtEl>
-                                      </p:cBhvr>
-                                    </p:animEffect>
-                                  </p:childTnLst>
-                                </p:cTn>
-                              </p:par>
-                              <p:par>
-                                <p:cTn id="8" presetID="9" presetClass="entr" presetSubtype="0" fill="hold" nodeType="withEffect">
-                                  <p:stCondLst>
-                                    <p:cond delay="0"/>
-                                  </p:stCondLst>
-                                  <p:childTnLst>
-                                    <p:set>
-                                      <p:cBhvr>
-                                        <p:cTn id="9" dur="1" fill="hold">
-                                          <p:stCondLst>
-                                            <p:cond delay="0"/>
-                                          </p:stCondLst>
-                                        </p:cTn>
-                                        <p:tgtEl>
-                                          <p:spTgt spid="7"/>
-                                        </p:tgtEl>
-                                        <p:attrNameLst>
-                                          <p:attrName>style.visibility</p:attrName>
-                                        </p:attrNameLst>
-                                      </p:cBhvr>
-                                      <p:to>
-                                        <p:strVal val="visible"/>
-                                      </p:to>
-                                    </p:set>
-                                    <p:animEffect transition="in" filter="dissolve">
-                                      <p:cBhvr>
-                                        <p:cTn id="10" dur="500"/>
-                                        <p:tgtEl>
-                                          <p:spTgt spid="7"/>
-                                        </p:tgtEl>
-                                      </p:cBhvr>
-                                    </p:animEffect>
-                                  </p:childTnLst>
-                                </p:cTn>
-                              </p:par>
-                              <p:par>
-                                <p:cTn id="11" presetID="9" presetClass="entr" presetSubtype="0" fill="hold" nodeType="withEffect">
-                                  <p:stCondLst>
-                                    <p:cond delay="0"/>
-                                  </p:stCondLst>
-                                  <p:childTnLst>
-                                    <p:set>
-                                      <p:cBhvr>
-                                        <p:cTn id="12" dur="1" fill="hold">
-                                          <p:stCondLst>
-                                            <p:cond delay="0"/>
-                                          </p:stCondLst>
-                                        </p:cTn>
-                                        <p:tgtEl>
-                                          <p:spTgt spid="8"/>
-                                        </p:tgtEl>
-                                        <p:attrNameLst>
-                                          <p:attrName>style.visibility</p:attrName>
-                                        </p:attrNameLst>
-                                      </p:cBhvr>
-                                      <p:to>
-                                        <p:strVal val="visible"/>
-                                      </p:to>
-                                    </p:set>
-                                    <p:animEffect transition="in" filter="dissolve">
-                                      <p:cBhvr>
-                                        <p:cTn id="13" dur="500"/>
-                                        <p:tgtEl>
-                                          <p:spTgt spid="8"/>
-                                        </p:tgtEl>
-                                      </p:cBhvr>
-                                    </p:animEffect>
-                                  </p:childTnLst>
-                                </p:cTn>
-                              </p:par>
-                            </p:childTnLst>
-                          </p:cTn>
-                        </p:par>
-                        <p:par>
-                          <p:cTn id="14" fill="hold">
-                            <p:stCondLst>
-                              <p:cond delay="500"/>
-                            </p:stCondLst>
-                            <p:childTnLst>
-                              <p:par>
-                                <p:cTn id="15" presetID="9" presetClass="entr" presetSubtype="0" fill="hold" nodeType="afterEffect">
-                                  <p:stCondLst>
-                                    <p:cond delay="0"/>
-                                  </p:stCondLst>
-                                  <p:childTnLst>
-                                    <p:set>
-                                      <p:cBhvr>
-                                        <p:cTn id="16" dur="1" fill="hold">
-                                          <p:stCondLst>
-                                            <p:cond delay="0"/>
-                                          </p:stCondLst>
-                                        </p:cTn>
-                                        <p:tgtEl>
-                                          <p:spTgt spid="2"/>
-                                        </p:tgtEl>
-                                        <p:attrNameLst>
-                                          <p:attrName>style.visibility</p:attrName>
-                                        </p:attrNameLst>
-                                      </p:cBhvr>
-                                      <p:to>
-                                        <p:strVal val="visible"/>
-                                      </p:to>
-                                    </p:set>
-                                    <p:animEffect transition="in" filter="dissolve">
-                                      <p:cBhvr>
-                                        <p:cTn id="17" dur="500"/>
-                                        <p:tgtEl>
-                                          <p:spTgt spid="2"/>
-                                        </p:tgtEl>
-                                      </p:cBhvr>
-                                    </p:animEffect>
-                                  </p:childTnLst>
-                                </p:cTn>
-                              </p:par>
-                            </p:childTnLst>
-                          </p:cTn>
-                        </p:par>
-                      </p:childTnLst>
-                    </p:cTn>
-                  </p:par>
-                </p:childTnLst>
-              </p:cTn>
-              <p:prevCondLst>
-                <p:cond evt="onPrev" delay="0">
-                  <p:tgtEl>
-                    <p:sldTgt/>
-                  </p:tgtEl>
-                </p:cond>
-              </p:prevCondLst>
-              <p:nextCondLst>
-                <p:cond evt="onNext" delay="0">
-                  <p:tgtEl>
-                    <p:sldTgt/>
-                  </p:tgtEl>
-                </p:cond>
-              </p:nextCondLst>
-            </p:seq>
-          </p:childTnLst>
-        </p:cTn>
+        <p:cTn id="1" dur="indefinite" restart="never" nodeType="tmRoot"/>
       </p:par>
     </p:tnLst>
   </p:timing>
@@ -14755,260 +14014,7 @@
   <p:timing>
     <p:tnLst>
       <p:par>
-        <p:cTn id="1" dur="indefinite" restart="never" nodeType="tmRoot">
-          <p:childTnLst>
-            <p:seq concurrent="1" nextAc="seek">
-              <p:cTn id="2" dur="indefinite" nodeType="mainSeq">
-                <p:childTnLst>
-                  <p:par>
-                    <p:cTn id="3" fill="hold">
-                      <p:stCondLst>
-                        <p:cond delay="indefinite"/>
-                      </p:stCondLst>
-                      <p:childTnLst>
-                        <p:par>
-                          <p:cTn id="4" fill="hold">
-                            <p:stCondLst>
-                              <p:cond delay="0"/>
-                            </p:stCondLst>
-                            <p:childTnLst>
-                              <p:par>
-                                <p:cTn id="5" presetID="9" presetClass="entr" presetSubtype="0" fill="hold" nodeType="clickEffect">
-                                  <p:stCondLst>
-                                    <p:cond delay="0"/>
-                                  </p:stCondLst>
-                                  <p:childTnLst>
-                                    <p:set>
-                                      <p:cBhvr>
-                                        <p:cTn id="6" dur="1" fill="hold">
-                                          <p:stCondLst>
-                                            <p:cond delay="0"/>
-                                          </p:stCondLst>
-                                        </p:cTn>
-                                        <p:tgtEl>
-                                          <p:spTgt spid="4"/>
-                                        </p:tgtEl>
-                                        <p:attrNameLst>
-                                          <p:attrName>style.visibility</p:attrName>
-                                        </p:attrNameLst>
-                                      </p:cBhvr>
-                                      <p:to>
-                                        <p:strVal val="visible"/>
-                                      </p:to>
-                                    </p:set>
-                                    <p:animEffect transition="in" filter="dissolve">
-                                      <p:cBhvr>
-                                        <p:cTn id="7" dur="500"/>
-                                        <p:tgtEl>
-                                          <p:spTgt spid="4"/>
-                                        </p:tgtEl>
-                                      </p:cBhvr>
-                                    </p:animEffect>
-                                  </p:childTnLst>
-                                </p:cTn>
-                              </p:par>
-                              <p:par>
-                                <p:cTn id="8" presetID="9" presetClass="entr" presetSubtype="0" fill="hold" nodeType="withEffect">
-                                  <p:stCondLst>
-                                    <p:cond delay="0"/>
-                                  </p:stCondLst>
-                                  <p:childTnLst>
-                                    <p:set>
-                                      <p:cBhvr>
-                                        <p:cTn id="9" dur="1" fill="hold">
-                                          <p:stCondLst>
-                                            <p:cond delay="0"/>
-                                          </p:stCondLst>
-                                        </p:cTn>
-                                        <p:tgtEl>
-                                          <p:spTgt spid="5"/>
-                                        </p:tgtEl>
-                                        <p:attrNameLst>
-                                          <p:attrName>style.visibility</p:attrName>
-                                        </p:attrNameLst>
-                                      </p:cBhvr>
-                                      <p:to>
-                                        <p:strVal val="visible"/>
-                                      </p:to>
-                                    </p:set>
-                                    <p:animEffect transition="in" filter="dissolve">
-                                      <p:cBhvr>
-                                        <p:cTn id="10" dur="500"/>
-                                        <p:tgtEl>
-                                          <p:spTgt spid="5"/>
-                                        </p:tgtEl>
-                                      </p:cBhvr>
-                                    </p:animEffect>
-                                  </p:childTnLst>
-                                </p:cTn>
-                              </p:par>
-                            </p:childTnLst>
-                          </p:cTn>
-                        </p:par>
-                      </p:childTnLst>
-                    </p:cTn>
-                  </p:par>
-                  <p:par>
-                    <p:cTn id="11" fill="hold">
-                      <p:stCondLst>
-                        <p:cond delay="indefinite"/>
-                      </p:stCondLst>
-                      <p:childTnLst>
-                        <p:par>
-                          <p:cTn id="12" fill="hold">
-                            <p:stCondLst>
-                              <p:cond delay="0"/>
-                            </p:stCondLst>
-                            <p:childTnLst>
-                              <p:par>
-                                <p:cTn id="13" presetID="1" presetClass="exit" presetSubtype="0" fill="hold" nodeType="clickEffect">
-                                  <p:stCondLst>
-                                    <p:cond delay="0"/>
-                                  </p:stCondLst>
-                                  <p:childTnLst>
-                                    <p:set>
-                                      <p:cBhvr>
-                                        <p:cTn id="14" dur="1" fill="hold">
-                                          <p:stCondLst>
-                                            <p:cond delay="0"/>
-                                          </p:stCondLst>
-                                        </p:cTn>
-                                        <p:tgtEl>
-                                          <p:spTgt spid="5"/>
-                                        </p:tgtEl>
-                                        <p:attrNameLst>
-                                          <p:attrName>style.visibility</p:attrName>
-                                        </p:attrNameLst>
-                                      </p:cBhvr>
-                                      <p:to>
-                                        <p:strVal val="hidden"/>
-                                      </p:to>
-                                    </p:set>
-                                  </p:childTnLst>
-                                </p:cTn>
-                              </p:par>
-                            </p:childTnLst>
-                          </p:cTn>
-                        </p:par>
-                        <p:par>
-                          <p:cTn id="15" fill="hold">
-                            <p:stCondLst>
-                              <p:cond delay="0"/>
-                            </p:stCondLst>
-                            <p:childTnLst>
-                              <p:par>
-                                <p:cTn id="16" presetID="9" presetClass="entr" presetSubtype="0" fill="hold" nodeType="afterEffect">
-                                  <p:stCondLst>
-                                    <p:cond delay="0"/>
-                                  </p:stCondLst>
-                                  <p:childTnLst>
-                                    <p:set>
-                                      <p:cBhvr>
-                                        <p:cTn id="17" dur="1" fill="hold">
-                                          <p:stCondLst>
-                                            <p:cond delay="0"/>
-                                          </p:stCondLst>
-                                        </p:cTn>
-                                        <p:tgtEl>
-                                          <p:spTgt spid="14"/>
-                                        </p:tgtEl>
-                                        <p:attrNameLst>
-                                          <p:attrName>style.visibility</p:attrName>
-                                        </p:attrNameLst>
-                                      </p:cBhvr>
-                                      <p:to>
-                                        <p:strVal val="visible"/>
-                                      </p:to>
-                                    </p:set>
-                                    <p:animEffect transition="in" filter="dissolve">
-                                      <p:cBhvr>
-                                        <p:cTn id="18" dur="500"/>
-                                        <p:tgtEl>
-                                          <p:spTgt spid="14"/>
-                                        </p:tgtEl>
-                                      </p:cBhvr>
-                                    </p:animEffect>
-                                  </p:childTnLst>
-                                </p:cTn>
-                              </p:par>
-                            </p:childTnLst>
-                          </p:cTn>
-                        </p:par>
-                      </p:childTnLst>
-                    </p:cTn>
-                  </p:par>
-                  <p:par>
-                    <p:cTn id="19" fill="hold">
-                      <p:stCondLst>
-                        <p:cond delay="indefinite"/>
-                      </p:stCondLst>
-                      <p:childTnLst>
-                        <p:par>
-                          <p:cTn id="20" fill="hold">
-                            <p:stCondLst>
-                              <p:cond delay="0"/>
-                            </p:stCondLst>
-                            <p:childTnLst>
-                              <p:par>
-                                <p:cTn id="21" presetID="9" presetClass="entr" presetSubtype="0" fill="hold" nodeType="clickEffect">
-                                  <p:stCondLst>
-                                    <p:cond delay="0"/>
-                                  </p:stCondLst>
-                                  <p:childTnLst>
-                                    <p:set>
-                                      <p:cBhvr>
-                                        <p:cTn id="22" dur="1" fill="hold">
-                                          <p:stCondLst>
-                                            <p:cond delay="0"/>
-                                          </p:stCondLst>
-                                        </p:cTn>
-                                        <p:tgtEl>
-                                          <p:spTgt spid="3"/>
-                                        </p:tgtEl>
-                                        <p:attrNameLst>
-                                          <p:attrName>style.visibility</p:attrName>
-                                        </p:attrNameLst>
-                                      </p:cBhvr>
-                                      <p:to>
-                                        <p:strVal val="visible"/>
-                                      </p:to>
-                                    </p:set>
-                                    <p:animEffect transition="in" filter="dissolve">
-                                      <p:cBhvr>
-                                        <p:cTn id="23" dur="500"/>
-                                        <p:tgtEl>
-                                          <p:spTgt spid="3"/>
-                                        </p:tgtEl>
-                                      </p:cBhvr>
-                                    </p:animEffect>
-                                  </p:childTnLst>
-                                </p:cTn>
-                              </p:par>
-                            </p:childTnLst>
-                          </p:cTn>
-                        </p:par>
-                      </p:childTnLst>
-                    </p:cTn>
-                  </p:par>
-                </p:childTnLst>
-              </p:cTn>
-              <p:prevCondLst>
-                <p:cond evt="onPrev" delay="0">
-                  <p:tgtEl>
-                    <p:sldTgt/>
-                  </p:tgtEl>
-                </p:cond>
-              </p:prevCondLst>
-              <p:nextCondLst>
-                <p:cond evt="onNext" delay="0">
-                  <p:tgtEl>
-                    <p:sldTgt/>
-                  </p:tgtEl>
-                </p:cond>
-              </p:nextCondLst>
-            </p:seq>
-          </p:childTnLst>
-        </p:cTn>
+        <p:cTn id="1" dur="indefinite" restart="never" nodeType="tmRoot"/>
       </p:par>
     </p:tnLst>
   </p:timing>
@@ -15335,188 +14341,7 @@
   <p:timing>
     <p:tnLst>
       <p:par>
-        <p:cTn id="1" dur="indefinite" restart="never" nodeType="tmRoot">
-          <p:childTnLst>
-            <p:seq concurrent="1" nextAc="seek">
-              <p:cTn id="2" dur="indefinite" nodeType="mainSeq">
-                <p:childTnLst>
-                  <p:par>
-                    <p:cTn id="3" fill="hold">
-                      <p:stCondLst>
-                        <p:cond delay="indefinite"/>
-                      </p:stCondLst>
-                      <p:childTnLst>
-                        <p:par>
-                          <p:cTn id="4" fill="hold">
-                            <p:stCondLst>
-                              <p:cond delay="0"/>
-                            </p:stCondLst>
-                            <p:childTnLst>
-                              <p:par>
-                                <p:cTn id="5" presetID="9" presetClass="entr" presetSubtype="0" fill="hold" nodeType="clickEffect">
-                                  <p:stCondLst>
-                                    <p:cond delay="0"/>
-                                  </p:stCondLst>
-                                  <p:childTnLst>
-                                    <p:set>
-                                      <p:cBhvr>
-                                        <p:cTn id="6" dur="1" fill="hold">
-                                          <p:stCondLst>
-                                            <p:cond delay="0"/>
-                                          </p:stCondLst>
-                                        </p:cTn>
-                                        <p:tgtEl>
-                                          <p:spTgt spid="5"/>
-                                        </p:tgtEl>
-                                        <p:attrNameLst>
-                                          <p:attrName>style.visibility</p:attrName>
-                                        </p:attrNameLst>
-                                      </p:cBhvr>
-                                      <p:to>
-                                        <p:strVal val="visible"/>
-                                      </p:to>
-                                    </p:set>
-                                    <p:animEffect transition="in" filter="dissolve">
-                                      <p:cBhvr>
-                                        <p:cTn id="7" dur="500"/>
-                                        <p:tgtEl>
-                                          <p:spTgt spid="5"/>
-                                        </p:tgtEl>
-                                      </p:cBhvr>
-                                    </p:animEffect>
-                                  </p:childTnLst>
-                                </p:cTn>
-                              </p:par>
-                              <p:par>
-                                <p:cTn id="8" presetID="9" presetClass="entr" presetSubtype="0" fill="hold" nodeType="withEffect">
-                                  <p:stCondLst>
-                                    <p:cond delay="0"/>
-                                  </p:stCondLst>
-                                  <p:childTnLst>
-                                    <p:set>
-                                      <p:cBhvr>
-                                        <p:cTn id="9" dur="1" fill="hold">
-                                          <p:stCondLst>
-                                            <p:cond delay="0"/>
-                                          </p:stCondLst>
-                                        </p:cTn>
-                                        <p:tgtEl>
-                                          <p:spTgt spid="6"/>
-                                        </p:tgtEl>
-                                        <p:attrNameLst>
-                                          <p:attrName>style.visibility</p:attrName>
-                                        </p:attrNameLst>
-                                      </p:cBhvr>
-                                      <p:to>
-                                        <p:strVal val="visible"/>
-                                      </p:to>
-                                    </p:set>
-                                    <p:animEffect transition="in" filter="dissolve">
-                                      <p:cBhvr>
-                                        <p:cTn id="10" dur="500"/>
-                                        <p:tgtEl>
-                                          <p:spTgt spid="6"/>
-                                        </p:tgtEl>
-                                      </p:cBhvr>
-                                    </p:animEffect>
-                                  </p:childTnLst>
-                                </p:cTn>
-                              </p:par>
-                              <p:par>
-                                <p:cTn id="11" presetID="9" presetClass="entr" presetSubtype="0" fill="hold" nodeType="withEffect">
-                                  <p:stCondLst>
-                                    <p:cond delay="0"/>
-                                  </p:stCondLst>
-                                  <p:childTnLst>
-                                    <p:set>
-                                      <p:cBhvr>
-                                        <p:cTn id="12" dur="1" fill="hold">
-                                          <p:stCondLst>
-                                            <p:cond delay="0"/>
-                                          </p:stCondLst>
-                                        </p:cTn>
-                                        <p:tgtEl>
-                                          <p:spTgt spid="3"/>
-                                        </p:tgtEl>
-                                        <p:attrNameLst>
-                                          <p:attrName>style.visibility</p:attrName>
-                                        </p:attrNameLst>
-                                      </p:cBhvr>
-                                      <p:to>
-                                        <p:strVal val="visible"/>
-                                      </p:to>
-                                    </p:set>
-                                    <p:animEffect transition="in" filter="dissolve">
-                                      <p:cBhvr>
-                                        <p:cTn id="13" dur="500"/>
-                                        <p:tgtEl>
-                                          <p:spTgt spid="3"/>
-                                        </p:tgtEl>
-                                      </p:cBhvr>
-                                    </p:animEffect>
-                                  </p:childTnLst>
-                                </p:cTn>
-                              </p:par>
-                              <p:par>
-                                <p:cTn id="14" presetID="9" presetClass="entr" presetSubtype="0" fill="hold" nodeType="withEffect">
-                                  <p:stCondLst>
-                                    <p:cond delay="0"/>
-                                  </p:stCondLst>
-                                  <p:childTnLst>
-                                    <p:set>
-                                      <p:cBhvr>
-                                        <p:cTn id="15" dur="1" fill="hold">
-                                          <p:stCondLst>
-                                            <p:cond delay="0"/>
-                                          </p:stCondLst>
-                                        </p:cTn>
-                                        <p:tgtEl>
-                                          <p:spTgt spid="2"/>
-                                        </p:tgtEl>
-                                        <p:attrNameLst>
-                                          <p:attrName>style.visibility</p:attrName>
-                                        </p:attrNameLst>
-                                      </p:cBhvr>
-                                      <p:to>
-                                        <p:strVal val="visible"/>
-                                      </p:to>
-                                    </p:set>
-                                    <p:animEffect transition="in" filter="dissolve">
-                                      <p:cBhvr>
-                                        <p:cTn id="16" dur="500"/>
-                                        <p:tgtEl>
-                                          <p:spTgt spid="2"/>
-                                        </p:tgtEl>
-                                      </p:cBhvr>
-                                    </p:animEffect>
-                                  </p:childTnLst>
-                                </p:cTn>
-                              </p:par>
-                            </p:childTnLst>
-                          </p:cTn>
-                        </p:par>
-                      </p:childTnLst>
-                    </p:cTn>
-                  </p:par>
-                </p:childTnLst>
-              </p:cTn>
-              <p:prevCondLst>
-                <p:cond evt="onPrev" delay="0">
-                  <p:tgtEl>
-                    <p:sldTgt/>
-                  </p:tgtEl>
-                </p:cond>
-              </p:prevCondLst>
-              <p:nextCondLst>
-                <p:cond evt="onNext" delay="0">
-                  <p:tgtEl>
-                    <p:sldTgt/>
-                  </p:tgtEl>
-                </p:cond>
-              </p:nextCondLst>
-            </p:seq>
-          </p:childTnLst>
-        </p:cTn>
+        <p:cTn id="1" dur="indefinite" restart="never" nodeType="tmRoot"/>
       </p:par>
     </p:tnLst>
   </p:timing>
@@ -15825,121 +14650,7 @@
   <p:timing>
     <p:tnLst>
       <p:par>
-        <p:cTn id="1" dur="indefinite" restart="never" nodeType="tmRoot">
-          <p:childTnLst>
-            <p:seq concurrent="1" nextAc="seek">
-              <p:cTn id="2" dur="indefinite" nodeType="mainSeq">
-                <p:childTnLst>
-                  <p:par>
-                    <p:cTn id="3" fill="hold">
-                      <p:stCondLst>
-                        <p:cond delay="indefinite"/>
-                        <p:cond evt="onBegin" delay="0">
-                          <p:tn val="2"/>
-                        </p:cond>
-                      </p:stCondLst>
-                      <p:childTnLst>
-                        <p:par>
-                          <p:cTn id="4" fill="hold">
-                            <p:stCondLst>
-                              <p:cond delay="0"/>
-                            </p:stCondLst>
-                            <p:childTnLst>
-                              <p:par>
-                                <p:cTn id="5" presetID="9" presetClass="entr" presetSubtype="0" fill="hold" nodeType="withEffect">
-                                  <p:stCondLst>
-                                    <p:cond delay="0"/>
-                                  </p:stCondLst>
-                                  <p:childTnLst>
-                                    <p:set>
-                                      <p:cBhvr>
-                                        <p:cTn id="6" dur="1" fill="hold">
-                                          <p:stCondLst>
-                                            <p:cond delay="0"/>
-                                          </p:stCondLst>
-                                        </p:cTn>
-                                        <p:tgtEl>
-                                          <p:spTgt spid="2"/>
-                                        </p:tgtEl>
-                                        <p:attrNameLst>
-                                          <p:attrName>style.visibility</p:attrName>
-                                        </p:attrNameLst>
-                                      </p:cBhvr>
-                                      <p:to>
-                                        <p:strVal val="visible"/>
-                                      </p:to>
-                                    </p:set>
-                                    <p:animEffect transition="in" filter="dissolve">
-                                      <p:cBhvr>
-                                        <p:cTn id="7" dur="500"/>
-                                        <p:tgtEl>
-                                          <p:spTgt spid="2"/>
-                                        </p:tgtEl>
-                                      </p:cBhvr>
-                                    </p:animEffect>
-                                  </p:childTnLst>
-                                </p:cTn>
-                              </p:par>
-                              <p:par>
-                                <p:cTn id="8" presetID="9" presetClass="entr" presetSubtype="0" fill="hold" nodeType="withEffect">
-                                  <p:stCondLst>
-                                    <p:cond delay="0"/>
-                                  </p:stCondLst>
-                                  <p:childTnLst>
-                                    <p:set>
-                                      <p:cBhvr>
-                                        <p:cTn id="9" dur="1" fill="hold">
-                                          <p:stCondLst>
-                                            <p:cond delay="0"/>
-                                          </p:stCondLst>
-                                        </p:cTn>
-                                        <p:tgtEl>
-                                          <p:spTgt spid="3"/>
-                                        </p:tgtEl>
-                                        <p:attrNameLst>
-                                          <p:attrName>style.visibility</p:attrName>
-                                        </p:attrNameLst>
-                                      </p:cBhvr>
-                                      <p:to>
-                                        <p:strVal val="visible"/>
-                                      </p:to>
-                                    </p:set>
-                                    <p:animEffect transition="in" filter="dissolve">
-                                      <p:cBhvr>
-                                        <p:cTn id="10" dur="500"/>
-                                        <p:tgtEl>
-                                          <p:spTgt spid="3"/>
-                                        </p:tgtEl>
-                                      </p:cBhvr>
-                                    </p:animEffect>
-                                  </p:childTnLst>
-                                </p:cTn>
-                              </p:par>
-                            </p:childTnLst>
-                          </p:cTn>
-                        </p:par>
-                      </p:childTnLst>
-                    </p:cTn>
-                  </p:par>
-                </p:childTnLst>
-              </p:cTn>
-              <p:prevCondLst>
-                <p:cond evt="onPrev" delay="0">
-                  <p:tgtEl>
-                    <p:sldTgt/>
-                  </p:tgtEl>
-                </p:cond>
-              </p:prevCondLst>
-              <p:nextCondLst>
-                <p:cond evt="onNext" delay="0">
-                  <p:tgtEl>
-                    <p:sldTgt/>
-                  </p:tgtEl>
-                </p:cond>
-              </p:nextCondLst>
-            </p:seq>
-          </p:childTnLst>
-        </p:cTn>
+        <p:cTn id="1" dur="indefinite" restart="never" nodeType="tmRoot"/>
       </p:par>
     </p:tnLst>
   </p:timing>
@@ -16197,7 +14908,7 @@
   <a:extraClrSchemeLst/>
   <a:extLst>
     <a:ext uri="{05A4C25C-085E-4340-85A3-A5531E510DB2}">
-      <thm15:themeFamily xmlns:thm15="http://schemas.microsoft.com/office/thememl/2012/main" xmlns="" name="Facet" id="{C0C680CD-088A-49FC-A102-D699147F32B2}" vid="{CFBC31BA-B70F-4F30-BCAA-4F3011E16C4D}"/>
+      <thm15:themeFamily xmlns="" xmlns:thm15="http://schemas.microsoft.com/office/thememl/2012/main" name="Facet" id="{C0C680CD-088A-49FC-A102-D699147F32B2}" vid="{CFBC31BA-B70F-4F30-BCAA-4F3011E16C4D}"/>
     </a:ext>
   </a:extLst>
 </a:theme>

--- a/src/rpro_ppt4.pptx
+++ b/src/rpro_ppt4.pptx
@@ -5,7 +5,7 @@
     <p:sldMasterId id="2147483681" r:id="rId1"/>
   </p:sldMasterIdLst>
   <p:notesMasterIdLst>
-    <p:notesMasterId r:id="rId19"/>
+    <p:notesMasterId r:id="rId18"/>
   </p:notesMasterIdLst>
   <p:sldIdLst>
     <p:sldId id="256" r:id="rId2"/>
@@ -20,11 +20,10 @@
     <p:sldId id="288" r:id="rId11"/>
     <p:sldId id="291" r:id="rId12"/>
     <p:sldId id="287" r:id="rId13"/>
-    <p:sldId id="292" r:id="rId14"/>
-    <p:sldId id="293" r:id="rId15"/>
-    <p:sldId id="294" r:id="rId16"/>
-    <p:sldId id="268" r:id="rId17"/>
-    <p:sldId id="275" r:id="rId18"/>
+    <p:sldId id="293" r:id="rId14"/>
+    <p:sldId id="294" r:id="rId15"/>
+    <p:sldId id="268" r:id="rId16"/>
+    <p:sldId id="275" r:id="rId17"/>
   </p:sldIdLst>
   <p:sldSz cx="12192000" cy="6858000"/>
   <p:notesSz cx="6858000" cy="9144000"/>
@@ -3364,7 +3363,7 @@
             <a:fld id="{FDD434B5-3884-491B-9701-01188EF54E6D}" type="datetimeFigureOut">
               <a:rPr lang="he-IL" smtClean="0"/>
               <a:pPr/>
-              <a:t>י"ג/תשרי/תשע"ח</a:t>
+              <a:t>י"ז/אדר ב/תשע"ט</a:t>
             </a:fld>
             <a:endParaRPr lang="he-IL"/>
           </a:p>
@@ -3766,111 +3765,40 @@
           </a:bodyPr>
           <a:lstStyle/>
           <a:p>
-            <a:r>
-              <a:rPr lang="he-IL" sz="1200" dirty="0" smtClean="0">
+            <a:pPr marL="0" marR="0" lvl="2" indent="0" algn="r" defTabSz="914400" rtl="1" eaLnBrk="1" fontAlgn="auto" latinLnBrk="0" hangingPunct="1">
+              <a:lnSpc>
+                <a:spcPct val="100000"/>
+              </a:lnSpc>
+              <a:spcBef>
+                <a:spcPts val="0"/>
+              </a:spcBef>
+              <a:spcAft>
+                <a:spcPts val="0"/>
+              </a:spcAft>
+              <a:buClrTx/>
+              <a:buSzTx/>
+              <a:buFontTx/>
+              <a:buNone/>
+              <a:tabLst/>
+              <a:defRPr/>
+            </a:pPr>
+            <a:r>
+              <a:rPr lang="he-IL" sz="3600" dirty="0" smtClean="0">
                 <a:latin typeface="Calibri" pitchFamily="34" charset="0"/>
               </a:rPr>
-              <a:t>חיישנים דיגיטליים מסוגלים לזהות שני מצבים שונים ולהחזיר 0 או 1 בהתאם</a:t>
-            </a:r>
-            <a:r>
-              <a:rPr lang="he-IL" sz="1200" baseline="0" dirty="0" smtClean="0">
+              <a:t>אם ייחצה מחסום האור החיישן ישנה את מצבו מ-1 ל-0,</a:t>
+            </a:r>
+            <a:r>
+              <a:rPr lang="he-IL" sz="3600" baseline="0" dirty="0" smtClean="0">
                 <a:latin typeface="Calibri" pitchFamily="34" charset="0"/>
               </a:rPr>
-              <a:t> למצב הנוכחי.</a:t>
-            </a:r>
-          </a:p>
-          <a:p>
-            <a:r>
-              <a:rPr lang="he-IL" sz="1200" baseline="0" dirty="0" smtClean="0">
-                <a:latin typeface="Calibri" pitchFamily="34" charset="0"/>
-              </a:rPr>
-              <a:t>חיישן מגע מזהה מצבים בהם הכפתור שלו לחוץ </a:t>
-            </a:r>
-            <a:r>
-              <a:rPr lang="en-US" sz="1200" baseline="0" dirty="0" smtClean="0">
-                <a:latin typeface="Calibri" pitchFamily="34" charset="0"/>
-              </a:rPr>
-              <a:t>/</a:t>
-            </a:r>
-            <a:r>
-              <a:rPr lang="he-IL" sz="1200" baseline="0" dirty="0" smtClean="0">
-                <a:latin typeface="Calibri" pitchFamily="34" charset="0"/>
-              </a:rPr>
-              <a:t> לא לחוץ.</a:t>
-            </a:r>
-          </a:p>
-          <a:p>
-            <a:r>
-              <a:rPr lang="he-IL" sz="1200" baseline="0" dirty="0" smtClean="0">
-                <a:latin typeface="Calibri" pitchFamily="34" charset="0"/>
-              </a:rPr>
-              <a:t>חיישן אור מזהה מצבים בהם הוא מואר </a:t>
-            </a:r>
-            <a:r>
-              <a:rPr lang="en-US" sz="1200" baseline="0" dirty="0" smtClean="0">
-                <a:latin typeface="Calibri" pitchFamily="34" charset="0"/>
-              </a:rPr>
-              <a:t>/</a:t>
-            </a:r>
-            <a:r>
-              <a:rPr lang="he-IL" sz="1200" baseline="0" dirty="0" smtClean="0">
-                <a:latin typeface="Calibri" pitchFamily="34" charset="0"/>
-              </a:rPr>
-              <a:t> לא מואר.</a:t>
-            </a:r>
-          </a:p>
-          <a:p>
-            <a:r>
-              <a:rPr lang="he-IL" sz="1200" baseline="0" dirty="0" smtClean="0">
-                <a:latin typeface="Calibri" pitchFamily="34" charset="0"/>
-              </a:rPr>
-              <a:t>חיישן מגנטיות מזהה מצבים בהם הוא יש שדה מגנטי קרוב </a:t>
-            </a:r>
-            <a:r>
-              <a:rPr lang="en-US" sz="1200" baseline="0" dirty="0" smtClean="0">
-                <a:latin typeface="Calibri" pitchFamily="34" charset="0"/>
-              </a:rPr>
-              <a:t>/</a:t>
-            </a:r>
-            <a:r>
-              <a:rPr lang="he-IL" sz="1200" baseline="0" dirty="0" smtClean="0">
-                <a:latin typeface="Calibri" pitchFamily="34" charset="0"/>
-              </a:rPr>
-              <a:t> אין שדה מגנטי קרוב.</a:t>
-            </a:r>
-          </a:p>
-          <a:p>
-            <a:r>
-              <a:rPr lang="he-IL" sz="1200" baseline="0" dirty="0" smtClean="0">
-                <a:latin typeface="Calibri" pitchFamily="34" charset="0"/>
-              </a:rPr>
-              <a:t>חיישן המסלול מזהה מצבים בהם הוא נמצא מול איזור בהיר (לבן) </a:t>
-            </a:r>
-            <a:r>
-              <a:rPr lang="en-US" sz="1200" baseline="0" dirty="0" smtClean="0">
-                <a:latin typeface="Calibri" pitchFamily="34" charset="0"/>
-              </a:rPr>
-              <a:t>/</a:t>
-            </a:r>
-            <a:r>
-              <a:rPr lang="he-IL" sz="1200" baseline="0" dirty="0" smtClean="0">
-                <a:latin typeface="Calibri" pitchFamily="34" charset="0"/>
-              </a:rPr>
-              <a:t> כהה (שחור) . חיישן המסלול הוא היחידי שמחזיר 2 נתונים דיגיטליים מ-2 ה"עיניים" שלו – ימין ושמאל. הסיבה לכך היא לאפשר מימוש אלגוריתם זיהוי מסלול בו יוכל הבקר לזהות איזו מהעיניים שינתה את מצבה מכהה לבהיר (ירדה מהמסלול השחור) וכך ידע לאיזה כיוון נדרש לתקן את תנועת הרובוט כדי שיישאר על המסלול.</a:t>
-            </a:r>
-          </a:p>
-          <a:p>
-            <a:endParaRPr lang="he-IL" sz="1200" baseline="0" dirty="0" smtClean="0">
+              <a:t> ובבדיקה רצופה בתכנית (לולאה) הבקר יוכל להגיב בזמן אמת ברגע שהשינוי קורה.</a:t>
+            </a:r>
+            <a:endParaRPr lang="he-IL" sz="3600" dirty="0" smtClean="0">
               <a:latin typeface="Calibri" pitchFamily="34" charset="0"/>
             </a:endParaRPr>
           </a:p>
           <a:p>
-            <a:r>
-              <a:rPr lang="he-IL" sz="1200" baseline="0" dirty="0" smtClean="0">
-                <a:latin typeface="Calibri" pitchFamily="34" charset="0"/>
-              </a:rPr>
-              <a:t>נקודה לדיון בכיתה: אלו אלגוריתמים למשל ניתן לממש עם החיישנים השונים?</a:t>
-            </a:r>
             <a:endParaRPr lang="he-IL" dirty="0"/>
           </a:p>
         </p:txBody>
@@ -3953,40 +3881,27 @@
           </a:bodyPr>
           <a:lstStyle/>
           <a:p>
-            <a:pPr marL="0" marR="0" lvl="2" indent="0" algn="r" defTabSz="914400" rtl="1" eaLnBrk="1" fontAlgn="auto" latinLnBrk="0" hangingPunct="1">
-              <a:lnSpc>
-                <a:spcPct val="100000"/>
-              </a:lnSpc>
-              <a:spcBef>
-                <a:spcPts val="0"/>
-              </a:spcBef>
-              <a:spcAft>
-                <a:spcPts val="0"/>
-              </a:spcAft>
-              <a:buClrTx/>
-              <a:buSzTx/>
-              <a:buFontTx/>
-              <a:buNone/>
-              <a:tabLst/>
-              <a:defRPr/>
-            </a:pPr>
-            <a:r>
-              <a:rPr lang="he-IL" sz="3600" dirty="0" smtClean="0">
-                <a:latin typeface="Calibri" pitchFamily="34" charset="0"/>
-              </a:rPr>
-              <a:t>אם ייחצה מחסום האור החיישן ישנה את מצבו מ-1 ל-0,</a:t>
-            </a:r>
-            <a:r>
-              <a:rPr lang="he-IL" sz="3600" baseline="0" dirty="0" smtClean="0">
-                <a:latin typeface="Calibri" pitchFamily="34" charset="0"/>
-              </a:rPr>
-              <a:t> ובבדיקה רצופה בתכנית (לולאה) הבקר יוכל להגיב בזמן אמת ברגע שהשינוי קורה.</a:t>
-            </a:r>
-            <a:endParaRPr lang="he-IL" sz="3600" dirty="0" smtClean="0">
-              <a:latin typeface="Calibri" pitchFamily="34" charset="0"/>
-            </a:endParaRPr>
-          </a:p>
-          <a:p>
+            <a:r>
+              <a:rPr lang="he-IL" dirty="0" smtClean="0"/>
+              <a:t>תוכניות הדוגמא לדגם נמצאות ב</a:t>
+            </a:r>
+          </a:p>
+          <a:p>
+            <a:r>
+              <a:rPr lang="he-IL" dirty="0" smtClean="0"/>
+              <a:t> </a:t>
+            </a:r>
+            <a:r>
+              <a:rPr lang="en-US" dirty="0" smtClean="0"/>
+              <a:t>"C:\Program Files (x86)\ROBOPro\Sample Programs\ROBOTICS TXT Discovery Set\Hand_dryer_1.rpp"</a:t>
+            </a:r>
+            <a:endParaRPr lang="he-IL" dirty="0" smtClean="0"/>
+          </a:p>
+          <a:p>
+            <a:r>
+              <a:rPr lang="en-US" dirty="0" smtClean="0"/>
+              <a:t>"C:\Program Files (x86)\ROBOPro\Sample Programs\ROBOTICS TXT Discovery Set\Hand_dryer_2.rpp"</a:t>
+            </a:r>
             <a:endParaRPr lang="he-IL" dirty="0"/>
           </a:p>
         </p:txBody>
@@ -4010,109 +3925,6 @@
               <a:rPr lang="he-IL" smtClean="0"/>
               <a:pPr/>
               <a:t>15</a:t>
-            </a:fld>
-            <a:endParaRPr lang="he-IL"/>
-          </a:p>
-        </p:txBody>
-      </p:sp>
-    </p:spTree>
-  </p:cSld>
-  <p:clrMapOvr>
-    <a:masterClrMapping/>
-  </p:clrMapOvr>
-</p:notes>
-</file>
-
-<file path=ppt/notesSlides/notesSlide12.xml><?xml version="1.0" encoding="utf-8"?>
-<p:notes xmlns:a="http://schemas.openxmlformats.org/drawingml/2006/main" xmlns:r="http://schemas.openxmlformats.org/officeDocument/2006/relationships" xmlns:p="http://schemas.openxmlformats.org/presentationml/2006/main">
-  <p:cSld>
-    <p:spTree>
-      <p:nvGrpSpPr>
-        <p:cNvPr id="1" name=""/>
-        <p:cNvGrpSpPr/>
-        <p:nvPr/>
-      </p:nvGrpSpPr>
-      <p:grpSpPr>
-        <a:xfrm>
-          <a:off x="0" y="0"/>
-          <a:ext cx="0" cy="0"/>
-          <a:chOff x="0" y="0"/>
-          <a:chExt cx="0" cy="0"/>
-        </a:xfrm>
-      </p:grpSpPr>
-      <p:sp>
-        <p:nvSpPr>
-          <p:cNvPr id="2" name="Slide Image Placeholder 1"/>
-          <p:cNvSpPr>
-            <a:spLocks noGrp="1" noRot="1" noChangeAspect="1"/>
-          </p:cNvSpPr>
-          <p:nvPr>
-            <p:ph type="sldImg"/>
-          </p:nvPr>
-        </p:nvSpPr>
-        <p:spPr/>
-      </p:sp>
-      <p:sp>
-        <p:nvSpPr>
-          <p:cNvPr id="3" name="Notes Placeholder 2"/>
-          <p:cNvSpPr>
-            <a:spLocks noGrp="1"/>
-          </p:cNvSpPr>
-          <p:nvPr>
-            <p:ph type="body" idx="1"/>
-          </p:nvPr>
-        </p:nvSpPr>
-        <p:spPr/>
-        <p:txBody>
-          <a:bodyPr>
-            <a:normAutofit/>
-          </a:bodyPr>
-          <a:lstStyle/>
-          <a:p>
-            <a:r>
-              <a:rPr lang="he-IL" dirty="0" smtClean="0"/>
-              <a:t>תוכניות הדוגמא לדגם נמצאות ב</a:t>
-            </a:r>
-          </a:p>
-          <a:p>
-            <a:r>
-              <a:rPr lang="he-IL" dirty="0" smtClean="0"/>
-              <a:t> </a:t>
-            </a:r>
-            <a:r>
-              <a:rPr lang="en-US" dirty="0" smtClean="0"/>
-              <a:t>"C:\Program Files (x86)\ROBOPro\Sample Programs\ROBOTICS TXT Discovery Set\Hand_dryer_1.rpp"</a:t>
-            </a:r>
-            <a:endParaRPr lang="he-IL" dirty="0" smtClean="0"/>
-          </a:p>
-          <a:p>
-            <a:r>
-              <a:rPr lang="en-US" dirty="0" smtClean="0"/>
-              <a:t>"C:\Program Files (x86)\ROBOPro\Sample Programs\ROBOTICS TXT Discovery Set\Hand_dryer_2.rpp"</a:t>
-            </a:r>
-            <a:endParaRPr lang="he-IL" dirty="0"/>
-          </a:p>
-        </p:txBody>
-      </p:sp>
-      <p:sp>
-        <p:nvSpPr>
-          <p:cNvPr id="4" name="Slide Number Placeholder 3"/>
-          <p:cNvSpPr>
-            <a:spLocks noGrp="1"/>
-          </p:cNvSpPr>
-          <p:nvPr>
-            <p:ph type="sldNum" sz="quarter" idx="10"/>
-          </p:nvPr>
-        </p:nvSpPr>
-        <p:spPr/>
-        <p:txBody>
-          <a:bodyPr/>
-          <a:lstStyle/>
-          <a:p>
-            <a:fld id="{8056BFB0-2B78-46EB-ACD6-0CEA529A7DA7}" type="slidenum">
-              <a:rPr lang="he-IL" smtClean="0"/>
-              <a:pPr/>
-              <a:t>16</a:t>
             </a:fld>
             <a:endParaRPr lang="he-IL"/>
           </a:p>
@@ -4945,22 +4757,106 @@
               <a:rPr lang="he-IL" sz="1200" dirty="0" smtClean="0">
                 <a:latin typeface="Calibri" pitchFamily="34" charset="0"/>
               </a:rPr>
-              <a:t>כדי להגיב לתנאי סביבה משתנים (לדוגמא – התקרבות למכשול, הגעת גוף ליעדו, שינויי טמפרטורה, שינוי בצבעי הסביבה בה נמצא הרובוט) למערכת הבקרה חייבים להיות </a:t>
-            </a:r>
-            <a:r>
-              <a:rPr lang="he-IL" sz="1200" dirty="0" smtClean="0">
-                <a:solidFill>
-                  <a:srgbClr val="FF0000"/>
-                </a:solidFill>
+              <a:t>חיישנים דיגיטליים מסוגלים לזהות שני מצבים שונים ולהחזיר 0 או 1 בהתאם</a:t>
+            </a:r>
+            <a:r>
+              <a:rPr lang="he-IL" sz="1200" baseline="0" dirty="0" smtClean="0">
                 <a:latin typeface="Calibri" pitchFamily="34" charset="0"/>
               </a:rPr>
-              <a:t>"חושים"</a:t>
-            </a:r>
-            <a:r>
-              <a:rPr lang="he-IL" sz="1200" dirty="0" smtClean="0">
+              <a:t> למצב הנוכחי.</a:t>
+            </a:r>
+          </a:p>
+          <a:p>
+            <a:r>
+              <a:rPr lang="he-IL" sz="1200" baseline="0" dirty="0" smtClean="0">
                 <a:latin typeface="Calibri" pitchFamily="34" charset="0"/>
               </a:rPr>
-              <a:t>.</a:t>
+              <a:t>חיישן מגע מזהה מצבים בהם הכפתור שלו לחוץ </a:t>
+            </a:r>
+            <a:r>
+              <a:rPr lang="en-US" sz="1200" baseline="0" dirty="0" smtClean="0">
+                <a:latin typeface="Calibri" pitchFamily="34" charset="0"/>
+              </a:rPr>
+              <a:t>/</a:t>
+            </a:r>
+            <a:r>
+              <a:rPr lang="he-IL" sz="1200" baseline="0" dirty="0" smtClean="0">
+                <a:latin typeface="Calibri" pitchFamily="34" charset="0"/>
+              </a:rPr>
+              <a:t> לא לחוץ.</a:t>
+            </a:r>
+          </a:p>
+          <a:p>
+            <a:r>
+              <a:rPr lang="he-IL" sz="1200" baseline="0" dirty="0" smtClean="0">
+                <a:latin typeface="Calibri" pitchFamily="34" charset="0"/>
+              </a:rPr>
+              <a:t>חיישן אור מזהה מצבים בהם הוא מואר </a:t>
+            </a:r>
+            <a:r>
+              <a:rPr lang="en-US" sz="1200" baseline="0" dirty="0" smtClean="0">
+                <a:latin typeface="Calibri" pitchFamily="34" charset="0"/>
+              </a:rPr>
+              <a:t>/</a:t>
+            </a:r>
+            <a:r>
+              <a:rPr lang="he-IL" sz="1200" baseline="0" dirty="0" smtClean="0">
+                <a:latin typeface="Calibri" pitchFamily="34" charset="0"/>
+              </a:rPr>
+              <a:t> לא מואר.</a:t>
+            </a:r>
+          </a:p>
+          <a:p>
+            <a:r>
+              <a:rPr lang="he-IL" sz="1200" baseline="0" dirty="0" smtClean="0">
+                <a:latin typeface="Calibri" pitchFamily="34" charset="0"/>
+              </a:rPr>
+              <a:t>חיישן מגנטיות מזהה מצבים בהם הוא יש שדה מגנטי קרוב </a:t>
+            </a:r>
+            <a:r>
+              <a:rPr lang="en-US" sz="1200" baseline="0" dirty="0" smtClean="0">
+                <a:latin typeface="Calibri" pitchFamily="34" charset="0"/>
+              </a:rPr>
+              <a:t>/</a:t>
+            </a:r>
+            <a:r>
+              <a:rPr lang="he-IL" sz="1200" baseline="0" dirty="0" smtClean="0">
+                <a:latin typeface="Calibri" pitchFamily="34" charset="0"/>
+              </a:rPr>
+              <a:t> אין שדה מגנטי קרוב.</a:t>
+            </a:r>
+          </a:p>
+          <a:p>
+            <a:r>
+              <a:rPr lang="he-IL" sz="1200" baseline="0" dirty="0" smtClean="0">
+                <a:latin typeface="Calibri" pitchFamily="34" charset="0"/>
+              </a:rPr>
+              <a:t>חיישן המסלול מזהה מצבים בהם הוא נמצא מול איזור בהיר (לבן) </a:t>
+            </a:r>
+            <a:r>
+              <a:rPr lang="en-US" sz="1200" baseline="0" dirty="0" smtClean="0">
+                <a:latin typeface="Calibri" pitchFamily="34" charset="0"/>
+              </a:rPr>
+              <a:t>/</a:t>
+            </a:r>
+            <a:r>
+              <a:rPr lang="he-IL" sz="1200" baseline="0" dirty="0" smtClean="0">
+                <a:latin typeface="Calibri" pitchFamily="34" charset="0"/>
+              </a:rPr>
+              <a:t> כהה (שחור) . חיישן המסלול הוא היחידי שמחזיר 2 נתונים דיגיטליים מ-2 ה"עיניים" שלו – ימין ושמאל. הסיבה לכך היא לאפשר מימוש אלגוריתם זיהוי מסלול בו יוכל הבקר לזהות איזו מהעיניים שינתה את מצבה מכהה לבהיר (ירדה מהמסלול השחור) וכך ידע לאיזה כיוון נדרש לתקן את תנועת הרובוט כדי שיישאר על המסלול.</a:t>
+            </a:r>
+          </a:p>
+          <a:p>
+            <a:endParaRPr lang="he-IL" sz="1200" baseline="0" dirty="0" smtClean="0">
+              <a:latin typeface="Calibri" pitchFamily="34" charset="0"/>
+            </a:endParaRPr>
+          </a:p>
+          <a:p>
+            <a:r>
+              <a:rPr lang="he-IL" sz="1200" baseline="0" dirty="0" smtClean="0">
+                <a:latin typeface="Calibri" pitchFamily="34" charset="0"/>
+              </a:rPr>
+              <a:t>נקודה לדיון בכיתה: אלו אלגוריתמים למשל ניתן לממש עם החיישנים השונים?</a:t>
             </a:r>
             <a:endParaRPr lang="he-IL" dirty="0"/>
           </a:p>
@@ -5721,7 +5617,7 @@
             <a:fld id="{48A87A34-81AB-432B-8DAE-1953F412C126}" type="datetimeFigureOut">
               <a:rPr lang="en-US" smtClean="0"/>
               <a:pPr/>
-              <a:t>10/3/2017</a:t>
+              <a:t>3/24/2019</a:t>
             </a:fld>
             <a:endParaRPr lang="en-US" dirty="0"/>
           </a:p>
@@ -5773,7 +5669,7 @@
     </p:spTree>
     <p:extLst>
       <p:ext uri="{BB962C8B-B14F-4D97-AF65-F5344CB8AC3E}">
-        <p14:creationId xmlns="" xmlns:p14="http://schemas.microsoft.com/office/powerpoint/2010/main" val="2379700270"/>
+        <p14:creationId xmlns:p14="http://schemas.microsoft.com/office/powerpoint/2010/main" xmlns="" val="2379700270"/>
       </p:ext>
     </p:extLst>
   </p:cSld>
@@ -5974,7 +5870,7 @@
             <a:fld id="{48A87A34-81AB-432B-8DAE-1953F412C126}" type="datetimeFigureOut">
               <a:rPr lang="en-US" smtClean="0"/>
               <a:pPr/>
-              <a:t>10/3/2017</a:t>
+              <a:t>3/24/2019</a:t>
             </a:fld>
             <a:endParaRPr lang="en-US" dirty="0"/>
           </a:p>
@@ -6026,7 +5922,7 @@
     </p:spTree>
     <p:extLst>
       <p:ext uri="{BB962C8B-B14F-4D97-AF65-F5344CB8AC3E}">
-        <p14:creationId xmlns="" xmlns:p14="http://schemas.microsoft.com/office/powerpoint/2010/main" val="1804991245"/>
+        <p14:creationId xmlns:p14="http://schemas.microsoft.com/office/powerpoint/2010/main" xmlns="" val="1804991245"/>
       </p:ext>
     </p:extLst>
   </p:cSld>
@@ -6290,7 +6186,7 @@
             <a:fld id="{48A87A34-81AB-432B-8DAE-1953F412C126}" type="datetimeFigureOut">
               <a:rPr lang="en-US" smtClean="0"/>
               <a:pPr/>
-              <a:t>10/3/2017</a:t>
+              <a:t>3/24/2019</a:t>
             </a:fld>
             <a:endParaRPr lang="en-US" dirty="0"/>
           </a:p>
@@ -6432,7 +6328,7 @@
     </p:spTree>
     <p:extLst>
       <p:ext uri="{BB962C8B-B14F-4D97-AF65-F5344CB8AC3E}">
-        <p14:creationId xmlns="" xmlns:p14="http://schemas.microsoft.com/office/powerpoint/2010/main" val="1473712570"/>
+        <p14:creationId xmlns:p14="http://schemas.microsoft.com/office/powerpoint/2010/main" xmlns="" val="1473712570"/>
       </p:ext>
     </p:extLst>
   </p:cSld>
@@ -6633,7 +6529,7 @@
             <a:fld id="{48A87A34-81AB-432B-8DAE-1953F412C126}" type="datetimeFigureOut">
               <a:rPr lang="en-US" smtClean="0"/>
               <a:pPr/>
-              <a:t>10/3/2017</a:t>
+              <a:t>3/24/2019</a:t>
             </a:fld>
             <a:endParaRPr lang="en-US" dirty="0"/>
           </a:p>
@@ -6685,7 +6581,7 @@
     </p:spTree>
     <p:extLst>
       <p:ext uri="{BB962C8B-B14F-4D97-AF65-F5344CB8AC3E}">
-        <p14:creationId xmlns="" xmlns:p14="http://schemas.microsoft.com/office/powerpoint/2010/main" val="2530574234"/>
+        <p14:creationId xmlns:p14="http://schemas.microsoft.com/office/powerpoint/2010/main" xmlns="" val="2530574234"/>
       </p:ext>
     </p:extLst>
   </p:cSld>
@@ -6949,7 +6845,7 @@
             <a:fld id="{48A87A34-81AB-432B-8DAE-1953F412C126}" type="datetimeFigureOut">
               <a:rPr lang="en-US" smtClean="0"/>
               <a:pPr/>
-              <a:t>10/3/2017</a:t>
+              <a:t>3/24/2019</a:t>
             </a:fld>
             <a:endParaRPr lang="en-US" dirty="0"/>
           </a:p>
@@ -7083,7 +6979,7 @@
     </p:spTree>
     <p:extLst>
       <p:ext uri="{BB962C8B-B14F-4D97-AF65-F5344CB8AC3E}">
-        <p14:creationId xmlns="" xmlns:p14="http://schemas.microsoft.com/office/powerpoint/2010/main" val="1004790222"/>
+        <p14:creationId xmlns:p14="http://schemas.microsoft.com/office/powerpoint/2010/main" xmlns="" val="1004790222"/>
       </p:ext>
     </p:extLst>
   </p:cSld>
@@ -7344,7 +7240,7 @@
             <a:fld id="{48A87A34-81AB-432B-8DAE-1953F412C126}" type="datetimeFigureOut">
               <a:rPr lang="en-US" smtClean="0"/>
               <a:pPr/>
-              <a:t>10/3/2017</a:t>
+              <a:t>3/24/2019</a:t>
             </a:fld>
             <a:endParaRPr lang="en-US" dirty="0"/>
           </a:p>
@@ -7396,7 +7292,7 @@
     </p:spTree>
     <p:extLst>
       <p:ext uri="{BB962C8B-B14F-4D97-AF65-F5344CB8AC3E}">
-        <p14:creationId xmlns="" xmlns:p14="http://schemas.microsoft.com/office/powerpoint/2010/main" val="3328784466"/>
+        <p14:creationId xmlns:p14="http://schemas.microsoft.com/office/powerpoint/2010/main" xmlns="" val="3328784466"/>
       </p:ext>
     </p:extLst>
   </p:cSld>
@@ -7516,7 +7412,7 @@
             <a:fld id="{48A87A34-81AB-432B-8DAE-1953F412C126}" type="datetimeFigureOut">
               <a:rPr lang="en-US" smtClean="0"/>
               <a:pPr/>
-              <a:t>10/3/2017</a:t>
+              <a:t>3/24/2019</a:t>
             </a:fld>
             <a:endParaRPr lang="en-US" dirty="0"/>
           </a:p>
@@ -7568,7 +7464,7 @@
     </p:spTree>
     <p:extLst>
       <p:ext uri="{BB962C8B-B14F-4D97-AF65-F5344CB8AC3E}">
-        <p14:creationId xmlns="" xmlns:p14="http://schemas.microsoft.com/office/powerpoint/2010/main" val="1447070425"/>
+        <p14:creationId xmlns:p14="http://schemas.microsoft.com/office/powerpoint/2010/main" xmlns="" val="1447070425"/>
       </p:ext>
     </p:extLst>
   </p:cSld>
@@ -7698,7 +7594,7 @@
             <a:fld id="{48A87A34-81AB-432B-8DAE-1953F412C126}" type="datetimeFigureOut">
               <a:rPr lang="en-US" smtClean="0"/>
               <a:pPr/>
-              <a:t>10/3/2017</a:t>
+              <a:t>3/24/2019</a:t>
             </a:fld>
             <a:endParaRPr lang="en-US" dirty="0"/>
           </a:p>
@@ -7750,7 +7646,7 @@
     </p:spTree>
     <p:extLst>
       <p:ext uri="{BB962C8B-B14F-4D97-AF65-F5344CB8AC3E}">
-        <p14:creationId xmlns="" xmlns:p14="http://schemas.microsoft.com/office/powerpoint/2010/main" val="3648480235"/>
+        <p14:creationId xmlns:p14="http://schemas.microsoft.com/office/powerpoint/2010/main" xmlns="" val="3648480235"/>
       </p:ext>
     </p:extLst>
   </p:cSld>
@@ -7876,7 +7772,7 @@
             <a:fld id="{48A87A34-81AB-432B-8DAE-1953F412C126}" type="datetimeFigureOut">
               <a:rPr lang="en-US" smtClean="0"/>
               <a:pPr/>
-              <a:t>10/3/2017</a:t>
+              <a:t>3/24/2019</a:t>
             </a:fld>
             <a:endParaRPr lang="en-US" dirty="0"/>
           </a:p>
@@ -7928,7 +7824,7 @@
     </p:spTree>
     <p:extLst>
       <p:ext uri="{BB962C8B-B14F-4D97-AF65-F5344CB8AC3E}">
-        <p14:creationId xmlns="" xmlns:p14="http://schemas.microsoft.com/office/powerpoint/2010/main" val="2649633687"/>
+        <p14:creationId xmlns:p14="http://schemas.microsoft.com/office/powerpoint/2010/main" xmlns="" val="2649633687"/>
       </p:ext>
     </p:extLst>
   </p:cSld>
@@ -8125,7 +8021,7 @@
             <a:fld id="{48A87A34-81AB-432B-8DAE-1953F412C126}" type="datetimeFigureOut">
               <a:rPr lang="en-US" smtClean="0"/>
               <a:pPr/>
-              <a:t>10/3/2017</a:t>
+              <a:t>3/24/2019</a:t>
             </a:fld>
             <a:endParaRPr lang="en-US" dirty="0"/>
           </a:p>
@@ -8177,7 +8073,7 @@
     </p:spTree>
     <p:extLst>
       <p:ext uri="{BB962C8B-B14F-4D97-AF65-F5344CB8AC3E}">
-        <p14:creationId xmlns="" xmlns:p14="http://schemas.microsoft.com/office/powerpoint/2010/main" val="572893903"/>
+        <p14:creationId xmlns:p14="http://schemas.microsoft.com/office/powerpoint/2010/main" xmlns="" val="572893903"/>
       </p:ext>
     </p:extLst>
   </p:cSld>
@@ -8359,7 +8255,7 @@
             <a:fld id="{48A87A34-81AB-432B-8DAE-1953F412C126}" type="datetimeFigureOut">
               <a:rPr lang="en-US" smtClean="0"/>
               <a:pPr/>
-              <a:t>10/3/2017</a:t>
+              <a:t>3/24/2019</a:t>
             </a:fld>
             <a:endParaRPr lang="en-US" dirty="0"/>
           </a:p>
@@ -8411,7 +8307,7 @@
     </p:spTree>
     <p:extLst>
       <p:ext uri="{BB962C8B-B14F-4D97-AF65-F5344CB8AC3E}">
-        <p14:creationId xmlns="" xmlns:p14="http://schemas.microsoft.com/office/powerpoint/2010/main" val="3918475607"/>
+        <p14:creationId xmlns:p14="http://schemas.microsoft.com/office/powerpoint/2010/main" xmlns="" val="3918475607"/>
       </p:ext>
     </p:extLst>
   </p:cSld>
@@ -8735,7 +8631,7 @@
             <a:fld id="{48A87A34-81AB-432B-8DAE-1953F412C126}" type="datetimeFigureOut">
               <a:rPr lang="en-US" smtClean="0"/>
               <a:pPr/>
-              <a:t>10/3/2017</a:t>
+              <a:t>3/24/2019</a:t>
             </a:fld>
             <a:endParaRPr lang="en-US" dirty="0"/>
           </a:p>
@@ -8787,7 +8683,7 @@
     </p:spTree>
     <p:extLst>
       <p:ext uri="{BB962C8B-B14F-4D97-AF65-F5344CB8AC3E}">
-        <p14:creationId xmlns="" xmlns:p14="http://schemas.microsoft.com/office/powerpoint/2010/main" val="70569158"/>
+        <p14:creationId xmlns:p14="http://schemas.microsoft.com/office/powerpoint/2010/main" xmlns="" val="70569158"/>
       </p:ext>
     </p:extLst>
   </p:cSld>
@@ -8860,7 +8756,7 @@
             <a:fld id="{48A87A34-81AB-432B-8DAE-1953F412C126}" type="datetimeFigureOut">
               <a:rPr lang="en-US" smtClean="0"/>
               <a:pPr/>
-              <a:t>10/3/2017</a:t>
+              <a:t>3/24/2019</a:t>
             </a:fld>
             <a:endParaRPr lang="en-US" dirty="0"/>
           </a:p>
@@ -8912,7 +8808,7 @@
     </p:spTree>
     <p:extLst>
       <p:ext uri="{BB962C8B-B14F-4D97-AF65-F5344CB8AC3E}">
-        <p14:creationId xmlns="" xmlns:p14="http://schemas.microsoft.com/office/powerpoint/2010/main" val="3956773614"/>
+        <p14:creationId xmlns:p14="http://schemas.microsoft.com/office/powerpoint/2010/main" xmlns="" val="3956773614"/>
       </p:ext>
     </p:extLst>
   </p:cSld>
@@ -8957,7 +8853,7 @@
             <a:fld id="{48A87A34-81AB-432B-8DAE-1953F412C126}" type="datetimeFigureOut">
               <a:rPr lang="en-US" smtClean="0"/>
               <a:pPr/>
-              <a:t>10/3/2017</a:t>
+              <a:t>3/24/2019</a:t>
             </a:fld>
             <a:endParaRPr lang="en-US" dirty="0"/>
           </a:p>
@@ -9009,7 +8905,7 @@
     </p:spTree>
     <p:extLst>
       <p:ext uri="{BB962C8B-B14F-4D97-AF65-F5344CB8AC3E}">
-        <p14:creationId xmlns="" xmlns:p14="http://schemas.microsoft.com/office/powerpoint/2010/main" val="843387325"/>
+        <p14:creationId xmlns:p14="http://schemas.microsoft.com/office/powerpoint/2010/main" xmlns="" val="843387325"/>
       </p:ext>
     </p:extLst>
   </p:cSld>
@@ -9214,7 +9110,7 @@
             <a:fld id="{48A87A34-81AB-432B-8DAE-1953F412C126}" type="datetimeFigureOut">
               <a:rPr lang="en-US" smtClean="0"/>
               <a:pPr/>
-              <a:t>10/3/2017</a:t>
+              <a:t>3/24/2019</a:t>
             </a:fld>
             <a:endParaRPr lang="en-US" dirty="0"/>
           </a:p>
@@ -9266,7 +9162,7 @@
     </p:spTree>
     <p:extLst>
       <p:ext uri="{BB962C8B-B14F-4D97-AF65-F5344CB8AC3E}">
-        <p14:creationId xmlns="" xmlns:p14="http://schemas.microsoft.com/office/powerpoint/2010/main" val="614752468"/>
+        <p14:creationId xmlns:p14="http://schemas.microsoft.com/office/powerpoint/2010/main" xmlns="" val="614752468"/>
       </p:ext>
     </p:extLst>
   </p:cSld>
@@ -9479,7 +9375,7 @@
             <a:fld id="{48A87A34-81AB-432B-8DAE-1953F412C126}" type="datetimeFigureOut">
               <a:rPr lang="en-US" smtClean="0"/>
               <a:pPr/>
-              <a:t>10/3/2017</a:t>
+              <a:t>3/24/2019</a:t>
             </a:fld>
             <a:endParaRPr lang="en-US" dirty="0"/>
           </a:p>
@@ -9531,7 +9427,7 @@
     </p:spTree>
     <p:extLst>
       <p:ext uri="{BB962C8B-B14F-4D97-AF65-F5344CB8AC3E}">
-        <p14:creationId xmlns="" xmlns:p14="http://schemas.microsoft.com/office/powerpoint/2010/main" val="2525773852"/>
+        <p14:creationId xmlns:p14="http://schemas.microsoft.com/office/powerpoint/2010/main" xmlns="" val="2525773852"/>
       </p:ext>
     </p:extLst>
   </p:cSld>
@@ -10224,7 +10120,7 @@
             <a:fld id="{48A87A34-81AB-432B-8DAE-1953F412C126}" type="datetimeFigureOut">
               <a:rPr lang="en-US" smtClean="0"/>
               <a:pPr/>
-              <a:t>10/3/2017</a:t>
+              <a:t>3/24/2019</a:t>
             </a:fld>
             <a:endParaRPr lang="en-US" dirty="0"/>
           </a:p>
@@ -10310,7 +10206,7 @@
     </p:spTree>
     <p:extLst>
       <p:ext uri="{BB962C8B-B14F-4D97-AF65-F5344CB8AC3E}">
-        <p14:creationId xmlns="" xmlns:p14="http://schemas.microsoft.com/office/powerpoint/2010/main" val="2849168193"/>
+        <p14:creationId xmlns:p14="http://schemas.microsoft.com/office/powerpoint/2010/main" xmlns="" val="2849168193"/>
       </p:ext>
     </p:extLst>
   </p:cSld>
@@ -10797,7 +10693,7 @@
     </p:spTree>
     <p:extLst>
       <p:ext uri="{BB962C8B-B14F-4D97-AF65-F5344CB8AC3E}">
-        <p14:creationId xmlns="" xmlns:p14="http://schemas.microsoft.com/office/powerpoint/2010/main" val="1597654807"/>
+        <p14:creationId xmlns:p14="http://schemas.microsoft.com/office/powerpoint/2010/main" xmlns="" val="1597654807"/>
       </p:ext>
     </p:extLst>
   </p:cSld>
@@ -12009,7 +11905,15 @@
             <a:pPr algn="r"/>
             <a:r>
               <a:rPr lang="he-IL" sz="4400" b="1" dirty="0" smtClean="0"/>
-              <a:t>מבוא – סיכום תפקידי החיישנים</a:t>
+              <a:t>חיישנים דיגיטליים </a:t>
+            </a:r>
+            <a:r>
+              <a:rPr lang="en-US" sz="4400" b="1" dirty="0" smtClean="0"/>
+              <a:t>/</a:t>
+            </a:r>
+            <a:r>
+              <a:rPr lang="he-IL" sz="4400" b="1" dirty="0" smtClean="0"/>
+              <a:t> אנלוגיים</a:t>
             </a:r>
             <a:endParaRPr lang="he-IL" sz="4400" b="1" dirty="0"/>
           </a:p>
@@ -12028,12 +11932,12 @@
         <p:spPr>
           <a:xfrm>
             <a:off x="825191" y="1513818"/>
-            <a:ext cx="8474926" cy="3880773"/>
+            <a:ext cx="8474926" cy="5079487"/>
           </a:xfrm>
         </p:spPr>
         <p:txBody>
           <a:bodyPr>
-            <a:normAutofit lnSpcReduction="10000"/>
+            <a:normAutofit fontScale="92500" lnSpcReduction="10000"/>
           </a:bodyPr>
           <a:lstStyle/>
           <a:p>
@@ -12041,26 +11945,82 @@
               <a:rPr lang="he-IL" sz="4000" dirty="0" smtClean="0">
                 <a:latin typeface="Calibri" pitchFamily="34" charset="0"/>
               </a:rPr>
-              <a:t>החיישנים הם הרכיבים המשמשים כ"חושים" של הרובוטים.</a:t>
-            </a:r>
-            <a:endParaRPr lang="en-US" sz="4000" dirty="0" smtClean="0">
-              <a:latin typeface="Calibri" pitchFamily="34" charset="0"/>
-            </a:endParaRPr>
-          </a:p>
-          <a:p>
-            <a:r>
-              <a:rPr lang="he-IL" sz="4000" dirty="0" smtClean="0">
+              <a:t>חיישנים דיגיטליים</a:t>
+            </a:r>
+          </a:p>
+          <a:p>
+            <a:pPr lvl="1"/>
+            <a:r>
+              <a:rPr lang="he-IL" sz="3800" dirty="0" smtClean="0">
                 <a:latin typeface="Calibri" pitchFamily="34" charset="0"/>
               </a:rPr>
-              <a:t>מאפשרים לבקר לקבל מידע על סביבת הרובוט </a:t>
-            </a:r>
-          </a:p>
-          <a:p>
-            <a:r>
-              <a:rPr lang="he-IL" sz="4000" dirty="0" smtClean="0">
+              <a:t>חיישנים המסוגלים לזהות שני מצבים</a:t>
+            </a:r>
+          </a:p>
+          <a:p>
+            <a:pPr lvl="1"/>
+            <a:r>
+              <a:rPr lang="he-IL" sz="3800" dirty="0" smtClean="0">
                 <a:latin typeface="Calibri" pitchFamily="34" charset="0"/>
               </a:rPr>
-              <a:t>אוספים מידע באופן רצוף מהסביבה ומעבירים אותו לבקר </a:t>
+              <a:t>מחזירים ערך </a:t>
+            </a:r>
+            <a:r>
+              <a:rPr lang="en-US" sz="3800" dirty="0" smtClean="0">
+                <a:latin typeface="Calibri" pitchFamily="34" charset="0"/>
+              </a:rPr>
+              <a:t>0 / 1</a:t>
+            </a:r>
+            <a:r>
+              <a:rPr lang="he-IL" sz="3800" dirty="0" smtClean="0">
+                <a:latin typeface="Calibri" pitchFamily="34" charset="0"/>
+              </a:rPr>
+              <a:t> לבקר</a:t>
+            </a:r>
+          </a:p>
+          <a:p>
+            <a:pPr lvl="1"/>
+            <a:r>
+              <a:rPr lang="he-IL" sz="3800" dirty="0" smtClean="0">
+                <a:latin typeface="Calibri" pitchFamily="34" charset="0"/>
+              </a:rPr>
+              <a:t>חיישנים דיגיטליים:</a:t>
+            </a:r>
+          </a:p>
+          <a:p>
+            <a:pPr lvl="2"/>
+            <a:r>
+              <a:rPr lang="he-IL" sz="3600" dirty="0" smtClean="0">
+                <a:latin typeface="Calibri" pitchFamily="34" charset="0"/>
+              </a:rPr>
+              <a:t>חיישן מגע</a:t>
+            </a:r>
+          </a:p>
+          <a:p>
+            <a:pPr lvl="2"/>
+            <a:r>
+              <a:rPr lang="he-IL" sz="3600" dirty="0" smtClean="0">
+                <a:latin typeface="Calibri" pitchFamily="34" charset="0"/>
+              </a:rPr>
+              <a:t>חיישן אור</a:t>
+            </a:r>
+          </a:p>
+          <a:p>
+            <a:pPr lvl="2"/>
+            <a:r>
+              <a:rPr lang="he-IL" sz="3600" dirty="0" smtClean="0">
+                <a:latin typeface="Calibri" pitchFamily="34" charset="0"/>
+              </a:rPr>
+              <a:t>חיישן מגנטיות</a:t>
+            </a:r>
+          </a:p>
+          <a:p>
+            <a:pPr lvl="2"/>
+            <a:r>
+              <a:rPr lang="he-IL" sz="3600" dirty="0" smtClean="0">
+                <a:latin typeface="Calibri" pitchFamily="34" charset="0"/>
+              </a:rPr>
+              <a:t>חיישן מסלול אינפרה-אדום</a:t>
             </a:r>
           </a:p>
           <a:p>
@@ -12127,15 +12087,7 @@
             <a:pPr algn="r"/>
             <a:r>
               <a:rPr lang="he-IL" sz="4400" b="1" dirty="0" smtClean="0"/>
-              <a:t>חיישנים דיגיטליים </a:t>
-            </a:r>
-            <a:r>
-              <a:rPr lang="en-US" sz="4400" b="1" dirty="0" smtClean="0"/>
-              <a:t>/</a:t>
-            </a:r>
-            <a:r>
-              <a:rPr lang="he-IL" sz="4400" b="1" dirty="0" smtClean="0"/>
-              <a:t> אנלוגיים</a:t>
+              <a:t>חיישן אור דיגיטלי</a:t>
             </a:r>
             <a:endParaRPr lang="he-IL" sz="4400" b="1" dirty="0"/>
           </a:p>
@@ -12159,7 +12111,7 @@
         </p:spPr>
         <p:txBody>
           <a:bodyPr>
-            <a:normAutofit fontScale="92500" lnSpcReduction="10000"/>
+            <a:normAutofit lnSpcReduction="10000"/>
           </a:bodyPr>
           <a:lstStyle/>
           <a:p>
@@ -12167,7 +12119,15 @@
               <a:rPr lang="he-IL" sz="4000" dirty="0" smtClean="0">
                 <a:latin typeface="Calibri" pitchFamily="34" charset="0"/>
               </a:rPr>
-              <a:t>חיישנים דיגיטליים</a:t>
+              <a:t>מחזיר 1 אם הוא מואר, ו-0 אם אינו מואר </a:t>
+            </a:r>
+          </a:p>
+          <a:p>
+            <a:r>
+              <a:rPr lang="he-IL" sz="4000" dirty="0" smtClean="0">
+                <a:latin typeface="Calibri" pitchFamily="34" charset="0"/>
+              </a:rPr>
+              <a:t>מחסום אור</a:t>
             </a:r>
           </a:p>
           <a:p>
@@ -12176,7 +12136,7 @@
               <a:rPr lang="he-IL" sz="3800" dirty="0" smtClean="0">
                 <a:latin typeface="Calibri" pitchFamily="34" charset="0"/>
               </a:rPr>
-              <a:t>חיישנים המסוגלים לזהות שני מצבים</a:t>
+              <a:t>מרכיבים ברובוט חיישן אור דיגיטלי הממוקם מול נורה דלוקה</a:t>
             </a:r>
           </a:p>
           <a:p>
@@ -12185,64 +12145,16 @@
               <a:rPr lang="he-IL" sz="3800" dirty="0" smtClean="0">
                 <a:latin typeface="Calibri" pitchFamily="34" charset="0"/>
               </a:rPr>
-              <a:t>מחזירים ערך </a:t>
-            </a:r>
-            <a:r>
-              <a:rPr lang="en-US" sz="3800" dirty="0" smtClean="0">
-                <a:latin typeface="Calibri" pitchFamily="34" charset="0"/>
-              </a:rPr>
-              <a:t>0 / 1</a:t>
-            </a:r>
+              <a:t>החיישן יזהה הפרעות באור המוקרן עליו</a:t>
+            </a:r>
+          </a:p>
+          <a:p>
+            <a:pPr lvl="1"/>
             <a:r>
               <a:rPr lang="he-IL" sz="3800" dirty="0" smtClean="0">
                 <a:latin typeface="Calibri" pitchFamily="34" charset="0"/>
               </a:rPr>
-              <a:t> לבקר</a:t>
-            </a:r>
-          </a:p>
-          <a:p>
-            <a:pPr lvl="1"/>
-            <a:r>
-              <a:rPr lang="he-IL" sz="3800" dirty="0" smtClean="0">
-                <a:latin typeface="Calibri" pitchFamily="34" charset="0"/>
-              </a:rPr>
-              <a:t>חיישנים דיגיטליים:</a:t>
-            </a:r>
-          </a:p>
-          <a:p>
-            <a:pPr lvl="2"/>
-            <a:r>
-              <a:rPr lang="he-IL" sz="3600" dirty="0" smtClean="0">
-                <a:latin typeface="Calibri" pitchFamily="34" charset="0"/>
-              </a:rPr>
-              <a:t>חיישן מגע</a:t>
-            </a:r>
-          </a:p>
-          <a:p>
-            <a:pPr lvl="2"/>
-            <a:r>
-              <a:rPr lang="he-IL" sz="3600" dirty="0" smtClean="0">
-                <a:latin typeface="Calibri" pitchFamily="34" charset="0"/>
-              </a:rPr>
-              <a:t>חיישן אור</a:t>
-            </a:r>
-          </a:p>
-          <a:p>
-            <a:pPr lvl="2"/>
-            <a:r>
-              <a:rPr lang="he-IL" sz="3600" dirty="0" smtClean="0">
-                <a:latin typeface="Calibri" pitchFamily="34" charset="0"/>
-              </a:rPr>
-              <a:t>חיישן מגנטיות</a:t>
-            </a:r>
-          </a:p>
-          <a:p>
-            <a:pPr lvl="2"/>
-            <a:r>
-              <a:rPr lang="he-IL" sz="3600" dirty="0" smtClean="0">
-                <a:latin typeface="Calibri" pitchFamily="34" charset="0"/>
-              </a:rPr>
-              <a:t>חיישן מסלול אינפרה-אדום</a:t>
+              <a:t>מאפשר לבקר להגיב בזמן אמת לחציית מחסום האור</a:t>
             </a:r>
           </a:p>
           <a:p>
@@ -12286,7 +12198,7 @@
       </p:grpSpPr>
       <p:sp>
         <p:nvSpPr>
-          <p:cNvPr id="46" name="כותרת 1"/>
+          <p:cNvPr id="2" name="כותרת 1"/>
           <p:cNvSpPr>
             <a:spLocks noGrp="1"/>
           </p:cNvSpPr>
@@ -12294,12 +12206,7 @@
             <p:ph type="title"/>
           </p:nvPr>
         </p:nvSpPr>
-        <p:spPr>
-          <a:xfrm>
-            <a:off x="677334" y="609600"/>
-            <a:ext cx="8596668" cy="1320800"/>
-          </a:xfrm>
-        </p:spPr>
+        <p:spPr/>
         <p:txBody>
           <a:bodyPr>
             <a:normAutofit/>
@@ -12309,7 +12216,7 @@
             <a:pPr algn="r"/>
             <a:r>
               <a:rPr lang="he-IL" sz="4400" b="1" dirty="0" smtClean="0"/>
-              <a:t>חיישן אור דיגיטלי</a:t>
+              <a:t>בואו נבנה רובוט!</a:t>
             </a:r>
             <a:endParaRPr lang="he-IL" sz="4400" b="1" dirty="0"/>
           </a:p>
@@ -12317,76 +12224,176 @@
       </p:sp>
       <p:sp>
         <p:nvSpPr>
-          <p:cNvPr id="49" name="מציין מיקום תוכן 2"/>
-          <p:cNvSpPr>
-            <a:spLocks noGrp="1"/>
-          </p:cNvSpPr>
-          <p:nvPr>
-            <p:ph idx="1"/>
-          </p:nvPr>
+          <p:cNvPr id="4" name="מציין מיקום תוכן 2"/>
+          <p:cNvSpPr txBox="1">
+            <a:spLocks/>
+          </p:cNvSpPr>
+          <p:nvPr/>
         </p:nvSpPr>
         <p:spPr>
           <a:xfrm>
-            <a:off x="825191" y="1513818"/>
-            <a:ext cx="8474926" cy="5079487"/>
+            <a:off x="677334" y="1536133"/>
+            <a:ext cx="8596668" cy="3880773"/>
           </a:xfrm>
+          <a:prstGeom prst="rect">
+            <a:avLst/>
+          </a:prstGeom>
         </p:spPr>
         <p:txBody>
-          <a:bodyPr>
-            <a:normAutofit lnSpcReduction="10000"/>
+          <a:bodyPr vert="horz" lIns="91440" tIns="45720" rIns="91440" bIns="45720" rtlCol="0">
+            <a:normAutofit/>
           </a:bodyPr>
           <a:lstStyle/>
           <a:p>
+            <a:pPr marL="342900" indent="-342900" algn="r" rtl="1">
+              <a:spcBef>
+                <a:spcPts val="1000"/>
+              </a:spcBef>
+              <a:buClr>
+                <a:srgbClr val="0F6FC6"/>
+              </a:buClr>
+              <a:buSzPct val="80000"/>
+              <a:buFont typeface="Wingdings 3" charset="2"/>
+              <a:buChar char=""/>
+            </a:pPr>
             <a:r>
               <a:rPr lang="he-IL" sz="4000" dirty="0" smtClean="0">
-                <a:latin typeface="Calibri" pitchFamily="34" charset="0"/>
+                <a:solidFill>
+                  <a:prstClr val="black">
+                    <a:lumMod val="75000"/>
+                    <a:lumOff val="25000"/>
+                  </a:prstClr>
+                </a:solidFill>
               </a:rPr>
-              <a:t>מחזיר 1 אם הוא מואר, ו-0 אם אינו מואר </a:t>
-            </a:r>
-          </a:p>
-          <a:p>
+              <a:t> בניית דגם מייבש ידיים</a:t>
+            </a:r>
+          </a:p>
+          <a:p>
+            <a:pPr marL="800100" lvl="1" indent="-342900" algn="r" rtl="1">
+              <a:spcBef>
+                <a:spcPts val="1000"/>
+              </a:spcBef>
+              <a:buClr>
+                <a:srgbClr val="0F6FC6"/>
+              </a:buClr>
+              <a:buSzPct val="80000"/>
+              <a:buFont typeface="Wingdings 3" charset="2"/>
+              <a:buChar char=""/>
+            </a:pPr>
             <a:r>
               <a:rPr lang="he-IL" sz="4000" dirty="0" smtClean="0">
-                <a:latin typeface="Calibri" pitchFamily="34" charset="0"/>
+                <a:solidFill>
+                  <a:prstClr val="black">
+                    <a:lumMod val="75000"/>
+                    <a:lumOff val="25000"/>
+                  </a:prstClr>
+                </a:solidFill>
               </a:rPr>
-              <a:t>מחסום אור</a:t>
-            </a:r>
-          </a:p>
-          <a:p>
-            <a:pPr lvl="1"/>
-            <a:r>
-              <a:rPr lang="he-IL" sz="3800" dirty="0" smtClean="0">
-                <a:latin typeface="Calibri" pitchFamily="34" charset="0"/>
+              <a:t>חוברת ההוראות שבערכה </a:t>
+            </a:r>
+          </a:p>
+          <a:p>
+            <a:pPr marL="1257300" lvl="2" indent="-342900" algn="r" rtl="1">
+              <a:spcBef>
+                <a:spcPts val="1000"/>
+              </a:spcBef>
+              <a:buClr>
+                <a:srgbClr val="0F6FC6"/>
+              </a:buClr>
+              <a:buSzPct val="80000"/>
+              <a:buFont typeface="Wingdings 3" charset="2"/>
+              <a:buChar char=""/>
+            </a:pPr>
+            <a:r>
+              <a:rPr lang="he-IL" sz="4000" dirty="0" smtClean="0">
+                <a:solidFill>
+                  <a:prstClr val="black">
+                    <a:lumMod val="75000"/>
+                    <a:lumOff val="25000"/>
+                  </a:prstClr>
+                </a:solidFill>
               </a:rPr>
-              <a:t>מרכיבים ברובוט חיישן אור דיגיטלי הממוקם מול נורה דלוקה</a:t>
-            </a:r>
-          </a:p>
-          <a:p>
-            <a:pPr lvl="1"/>
-            <a:r>
-              <a:rPr lang="he-IL" sz="3800" dirty="0" smtClean="0">
-                <a:latin typeface="Calibri" pitchFamily="34" charset="0"/>
+              <a:t> עמוד 12</a:t>
+            </a:r>
+            <a:endParaRPr lang="en-US" sz="4000" dirty="0" smtClean="0">
+              <a:solidFill>
+                <a:prstClr val="black">
+                  <a:lumMod val="75000"/>
+                  <a:lumOff val="25000"/>
+                </a:prstClr>
+              </a:solidFill>
+            </a:endParaRPr>
+          </a:p>
+          <a:p>
+            <a:pPr marL="342900" indent="-342900" algn="r" rtl="1">
+              <a:spcBef>
+                <a:spcPts val="1000"/>
+              </a:spcBef>
+              <a:buClr>
+                <a:srgbClr val="0F6FC6"/>
+              </a:buClr>
+              <a:buSzPct val="80000"/>
+              <a:buFont typeface="Wingdings 3" charset="2"/>
+              <a:buChar char=""/>
+            </a:pPr>
+            <a:r>
+              <a:rPr lang="he-IL" sz="4000" dirty="0" smtClean="0">
+                <a:solidFill>
+                  <a:prstClr val="black">
+                    <a:lumMod val="75000"/>
+                    <a:lumOff val="25000"/>
+                  </a:prstClr>
+                </a:solidFill>
               </a:rPr>
-              <a:t>החיישן יזהה הפרעות באור המוקרן עליו</a:t>
-            </a:r>
-          </a:p>
-          <a:p>
-            <a:pPr lvl="1"/>
-            <a:r>
-              <a:rPr lang="he-IL" sz="3800" dirty="0" smtClean="0">
-                <a:latin typeface="Calibri" pitchFamily="34" charset="0"/>
+              <a:t>תכנות הרובוט בסביבת </a:t>
+            </a:r>
+            <a:r>
+              <a:rPr lang="en-US" sz="4000" dirty="0" err="1" smtClean="0">
+                <a:solidFill>
+                  <a:prstClr val="black">
+                    <a:lumMod val="75000"/>
+                    <a:lumOff val="25000"/>
+                  </a:prstClr>
+                </a:solidFill>
               </a:rPr>
-              <a:t>מאפשר לבקר להגיב בזמן אמת לחציית מחסום האור</a:t>
-            </a:r>
-          </a:p>
-          <a:p>
-            <a:endParaRPr lang="en-US" sz="4000" dirty="0">
-              <a:latin typeface="Calibri" pitchFamily="34" charset="0"/>
+              <a:t>RoboPRO</a:t>
+            </a:r>
+            <a:endParaRPr lang="he-IL" sz="4000" dirty="0" smtClean="0">
+              <a:solidFill>
+                <a:prstClr val="black">
+                  <a:lumMod val="75000"/>
+                  <a:lumOff val="25000"/>
+                </a:prstClr>
+              </a:solidFill>
             </a:endParaRPr>
           </a:p>
+          <a:p>
+            <a:pPr marL="342900" lvl="0" indent="-342900" algn="r" rtl="1">
+              <a:spcBef>
+                <a:spcPts val="1000"/>
+              </a:spcBef>
+              <a:buClr>
+                <a:srgbClr val="0F6FC6"/>
+              </a:buClr>
+              <a:buSzPct val="80000"/>
+            </a:pPr>
+            <a:endParaRPr lang="en-US" sz="4000" dirty="0" smtClean="0">
+              <a:solidFill>
+                <a:prstClr val="black">
+                  <a:lumMod val="75000"/>
+                  <a:lumOff val="25000"/>
+                </a:prstClr>
+              </a:solidFill>
+            </a:endParaRPr>
+          </a:p>
         </p:txBody>
       </p:sp>
     </p:spTree>
+    <p:extLst>
+      <p:ext uri="{BB962C8B-B14F-4D97-AF65-F5344CB8AC3E}">
+        <p14:creationId xmlns:p14="http://schemas.microsoft.com/office/powerpoint/2010/main" xmlns="" val="2508929371"/>
+      </p:ext>
+    </p:extLst>
   </p:cSld>
   <p:clrMapOvr>
     <a:masterClrMapping/>
@@ -12438,235 +12445,6 @@
             <a:pPr algn="r"/>
             <a:r>
               <a:rPr lang="he-IL" sz="4400" b="1" dirty="0" smtClean="0"/>
-              <a:t>בואו נבנה רובוט!</a:t>
-            </a:r>
-            <a:endParaRPr lang="he-IL" sz="4400" b="1" dirty="0"/>
-          </a:p>
-        </p:txBody>
-      </p:sp>
-      <p:sp>
-        <p:nvSpPr>
-          <p:cNvPr id="4" name="מציין מיקום תוכן 2"/>
-          <p:cNvSpPr txBox="1">
-            <a:spLocks/>
-          </p:cNvSpPr>
-          <p:nvPr/>
-        </p:nvSpPr>
-        <p:spPr>
-          <a:xfrm>
-            <a:off x="677334" y="1536133"/>
-            <a:ext cx="8596668" cy="3880773"/>
-          </a:xfrm>
-          <a:prstGeom prst="rect">
-            <a:avLst/>
-          </a:prstGeom>
-        </p:spPr>
-        <p:txBody>
-          <a:bodyPr vert="horz" lIns="91440" tIns="45720" rIns="91440" bIns="45720" rtlCol="0">
-            <a:normAutofit/>
-          </a:bodyPr>
-          <a:lstStyle/>
-          <a:p>
-            <a:pPr marL="342900" indent="-342900" algn="r" rtl="1">
-              <a:spcBef>
-                <a:spcPts val="1000"/>
-              </a:spcBef>
-              <a:buClr>
-                <a:srgbClr val="0F6FC6"/>
-              </a:buClr>
-              <a:buSzPct val="80000"/>
-              <a:buFont typeface="Wingdings 3" charset="2"/>
-              <a:buChar char=""/>
-            </a:pPr>
-            <a:r>
-              <a:rPr lang="he-IL" sz="4000" dirty="0" smtClean="0">
-                <a:solidFill>
-                  <a:prstClr val="black">
-                    <a:lumMod val="75000"/>
-                    <a:lumOff val="25000"/>
-                  </a:prstClr>
-                </a:solidFill>
-              </a:rPr>
-              <a:t> בניית דגם מייבש ידיים</a:t>
-            </a:r>
-          </a:p>
-          <a:p>
-            <a:pPr marL="800100" lvl="1" indent="-342900" algn="r" rtl="1">
-              <a:spcBef>
-                <a:spcPts val="1000"/>
-              </a:spcBef>
-              <a:buClr>
-                <a:srgbClr val="0F6FC6"/>
-              </a:buClr>
-              <a:buSzPct val="80000"/>
-              <a:buFont typeface="Wingdings 3" charset="2"/>
-              <a:buChar char=""/>
-            </a:pPr>
-            <a:r>
-              <a:rPr lang="he-IL" sz="4000" dirty="0" smtClean="0">
-                <a:solidFill>
-                  <a:prstClr val="black">
-                    <a:lumMod val="75000"/>
-                    <a:lumOff val="25000"/>
-                  </a:prstClr>
-                </a:solidFill>
-              </a:rPr>
-              <a:t>חוברת ההוראות שבערכה </a:t>
-            </a:r>
-          </a:p>
-          <a:p>
-            <a:pPr marL="1257300" lvl="2" indent="-342900" algn="r" rtl="1">
-              <a:spcBef>
-                <a:spcPts val="1000"/>
-              </a:spcBef>
-              <a:buClr>
-                <a:srgbClr val="0F6FC6"/>
-              </a:buClr>
-              <a:buSzPct val="80000"/>
-              <a:buFont typeface="Wingdings 3" charset="2"/>
-              <a:buChar char=""/>
-            </a:pPr>
-            <a:r>
-              <a:rPr lang="he-IL" sz="4000" dirty="0" smtClean="0">
-                <a:solidFill>
-                  <a:prstClr val="black">
-                    <a:lumMod val="75000"/>
-                    <a:lumOff val="25000"/>
-                  </a:prstClr>
-                </a:solidFill>
-              </a:rPr>
-              <a:t> עמוד 12</a:t>
-            </a:r>
-            <a:endParaRPr lang="en-US" sz="4000" dirty="0" smtClean="0">
-              <a:solidFill>
-                <a:prstClr val="black">
-                  <a:lumMod val="75000"/>
-                  <a:lumOff val="25000"/>
-                </a:prstClr>
-              </a:solidFill>
-            </a:endParaRPr>
-          </a:p>
-          <a:p>
-            <a:pPr marL="342900" indent="-342900" algn="r" rtl="1">
-              <a:spcBef>
-                <a:spcPts val="1000"/>
-              </a:spcBef>
-              <a:buClr>
-                <a:srgbClr val="0F6FC6"/>
-              </a:buClr>
-              <a:buSzPct val="80000"/>
-              <a:buFont typeface="Wingdings 3" charset="2"/>
-              <a:buChar char=""/>
-            </a:pPr>
-            <a:r>
-              <a:rPr lang="he-IL" sz="4000" dirty="0" smtClean="0">
-                <a:solidFill>
-                  <a:prstClr val="black">
-                    <a:lumMod val="75000"/>
-                    <a:lumOff val="25000"/>
-                  </a:prstClr>
-                </a:solidFill>
-              </a:rPr>
-              <a:t>תכנות הרובוט בסביבת </a:t>
-            </a:r>
-            <a:r>
-              <a:rPr lang="en-US" sz="4000" dirty="0" err="1" smtClean="0">
-                <a:solidFill>
-                  <a:prstClr val="black">
-                    <a:lumMod val="75000"/>
-                    <a:lumOff val="25000"/>
-                  </a:prstClr>
-                </a:solidFill>
-              </a:rPr>
-              <a:t>RoboPRO</a:t>
-            </a:r>
-            <a:endParaRPr lang="he-IL" sz="4000" dirty="0" smtClean="0">
-              <a:solidFill>
-                <a:prstClr val="black">
-                  <a:lumMod val="75000"/>
-                  <a:lumOff val="25000"/>
-                </a:prstClr>
-              </a:solidFill>
-            </a:endParaRPr>
-          </a:p>
-          <a:p>
-            <a:pPr marL="342900" lvl="0" indent="-342900" algn="r" rtl="1">
-              <a:spcBef>
-                <a:spcPts val="1000"/>
-              </a:spcBef>
-              <a:buClr>
-                <a:srgbClr val="0F6FC6"/>
-              </a:buClr>
-              <a:buSzPct val="80000"/>
-            </a:pPr>
-            <a:endParaRPr lang="en-US" sz="4000" dirty="0" smtClean="0">
-              <a:solidFill>
-                <a:prstClr val="black">
-                  <a:lumMod val="75000"/>
-                  <a:lumOff val="25000"/>
-                </a:prstClr>
-              </a:solidFill>
-            </a:endParaRPr>
-          </a:p>
-        </p:txBody>
-      </p:sp>
-    </p:spTree>
-    <p:extLst>
-      <p:ext uri="{BB962C8B-B14F-4D97-AF65-F5344CB8AC3E}">
-        <p14:creationId xmlns="" xmlns:p14="http://schemas.microsoft.com/office/powerpoint/2010/main" val="2508929371"/>
-      </p:ext>
-    </p:extLst>
-  </p:cSld>
-  <p:clrMapOvr>
-    <a:masterClrMapping/>
-  </p:clrMapOvr>
-  <p:timing>
-    <p:tnLst>
-      <p:par>
-        <p:cTn id="1" dur="indefinite" restart="never" nodeType="tmRoot"/>
-      </p:par>
-    </p:tnLst>
-  </p:timing>
-</p:sld>
-</file>
-
-<file path=ppt/slides/slide17.xml><?xml version="1.0" encoding="utf-8"?>
-<p:sld xmlns:a="http://schemas.openxmlformats.org/drawingml/2006/main" xmlns:r="http://schemas.openxmlformats.org/officeDocument/2006/relationships" xmlns:p="http://schemas.openxmlformats.org/presentationml/2006/main">
-  <p:cSld>
-    <p:spTree>
-      <p:nvGrpSpPr>
-        <p:cNvPr id="1" name=""/>
-        <p:cNvGrpSpPr/>
-        <p:nvPr/>
-      </p:nvGrpSpPr>
-      <p:grpSpPr>
-        <a:xfrm>
-          <a:off x="0" y="0"/>
-          <a:ext cx="0" cy="0"/>
-          <a:chOff x="0" y="0"/>
-          <a:chExt cx="0" cy="0"/>
-        </a:xfrm>
-      </p:grpSpPr>
-      <p:sp>
-        <p:nvSpPr>
-          <p:cNvPr id="2" name="כותרת 1"/>
-          <p:cNvSpPr>
-            <a:spLocks noGrp="1"/>
-          </p:cNvSpPr>
-          <p:nvPr>
-            <p:ph type="title"/>
-          </p:nvPr>
-        </p:nvSpPr>
-        <p:spPr/>
-        <p:txBody>
-          <a:bodyPr>
-            <a:normAutofit/>
-          </a:bodyPr>
-          <a:lstStyle/>
-          <a:p>
-            <a:pPr algn="r"/>
-            <a:r>
-              <a:rPr lang="he-IL" sz="4400" b="1" dirty="0" smtClean="0"/>
               <a:t>סדר וניקיון</a:t>
             </a:r>
             <a:endParaRPr lang="he-IL" sz="4400" b="1" dirty="0"/>
@@ -12741,7 +12519,7 @@
     </p:spTree>
     <p:extLst>
       <p:ext uri="{BB962C8B-B14F-4D97-AF65-F5344CB8AC3E}">
-        <p14:creationId xmlns:p14="http://schemas.microsoft.com/office/powerpoint/2010/main" xmlns="" val="2508929371"/>
+        <p14:creationId xmlns="" xmlns:p14="http://schemas.microsoft.com/office/powerpoint/2010/main" val="2508929371"/>
       </p:ext>
     </p:extLst>
   </p:cSld>
@@ -12893,7 +12671,7 @@
     </p:spTree>
     <p:extLst>
       <p:ext uri="{BB962C8B-B14F-4D97-AF65-F5344CB8AC3E}">
-        <p14:creationId xmlns="" xmlns:p14="http://schemas.microsoft.com/office/powerpoint/2010/main" val="2508929371"/>
+        <p14:creationId xmlns:p14="http://schemas.microsoft.com/office/powerpoint/2010/main" xmlns="" val="2508929371"/>
       </p:ext>
     </p:extLst>
   </p:cSld>
@@ -13003,7 +12781,7 @@
     </p:spTree>
     <p:extLst>
       <p:ext uri="{BB962C8B-B14F-4D97-AF65-F5344CB8AC3E}">
-        <p14:creationId xmlns="" xmlns:p14="http://schemas.microsoft.com/office/powerpoint/2010/main" val="2508929371"/>
+        <p14:creationId xmlns:p14="http://schemas.microsoft.com/office/powerpoint/2010/main" xmlns="" val="2508929371"/>
       </p:ext>
     </p:extLst>
   </p:cSld>
@@ -14908,7 +14686,7 @@
   <a:extraClrSchemeLst/>
   <a:extLst>
     <a:ext uri="{05A4C25C-085E-4340-85A3-A5531E510DB2}">
-      <thm15:themeFamily xmlns="" xmlns:thm15="http://schemas.microsoft.com/office/thememl/2012/main" name="Facet" id="{C0C680CD-088A-49FC-A102-D699147F32B2}" vid="{CFBC31BA-B70F-4F30-BCAA-4F3011E16C4D}"/>
+      <thm15:themeFamily xmlns:thm15="http://schemas.microsoft.com/office/thememl/2012/main" xmlns="" name="Facet" id="{C0C680CD-088A-49FC-A102-D699147F32B2}" vid="{CFBC31BA-B70F-4F30-BCAA-4F3011E16C4D}"/>
     </a:ext>
   </a:extLst>
 </a:theme>
